--- a/format-encodings/slide_presentations/.hidden/conversion-between-bases.pptx
+++ b/format-encodings/slide_presentations/.hidden/conversion-between-bases.pptx
@@ -10578,14 +10578,14 @@
           <p:nvPr>
             <p:extLst>
               <p:ext uri="{D42A27DB-BD31-4B8C-83A1-F6EECF244321}">
-                <p14:modId xmlns:p14="http://schemas.microsoft.com/office/powerpoint/2010/main" val="2463145634"/>
+                <p14:modId xmlns:p14="http://schemas.microsoft.com/office/powerpoint/2010/main" val="735227514"/>
               </p:ext>
             </p:extLst>
           </p:nvPr>
         </p:nvGraphicFramePr>
         <p:xfrm>
           <a:off x="4483900" y="1779725"/>
-          <a:ext cx="4557850" cy="3169680"/>
+          <a:ext cx="4207275" cy="2773470"/>
         </p:xfrm>
         <a:graphic>
           <a:graphicData uri="http://schemas.openxmlformats.org/drawingml/2006/table">
@@ -10595,42 +10595,35 @@
                 <a:tableStyleId>{D9783DC4-A9D2-433C-85FA-F0FB6AE63859}</a:tableStyleId>
               </a:tblPr>
               <a:tblGrid>
-                <a:gridCol w="350575">
-                  <a:extLst>
-                    <a:ext uri="{9D8B030D-6E8A-4147-A177-3AD203B41FA5}">
-                      <a16:colId xmlns:a16="http://schemas.microsoft.com/office/drawing/2014/main" val="20000"/>
-                    </a:ext>
-                  </a:extLst>
-                </a:gridCol>
-                <a:gridCol w="1179925">
+                <a:gridCol w="953514">
                   <a:extLst>
                     <a:ext uri="{9D8B030D-6E8A-4147-A177-3AD203B41FA5}">
                       <a16:colId xmlns:a16="http://schemas.microsoft.com/office/drawing/2014/main" val="20001"/>
                     </a:ext>
                   </a:extLst>
                 </a:gridCol>
-                <a:gridCol w="433050">
+                <a:gridCol w="659461">
                   <a:extLst>
                     <a:ext uri="{9D8B030D-6E8A-4147-A177-3AD203B41FA5}">
                       <a16:colId xmlns:a16="http://schemas.microsoft.com/office/drawing/2014/main" val="20002"/>
                     </a:ext>
                   </a:extLst>
                 </a:gridCol>
-                <a:gridCol w="950850">
+                <a:gridCol w="752961">
                   <a:extLst>
                     <a:ext uri="{9D8B030D-6E8A-4147-A177-3AD203B41FA5}">
                       <a16:colId xmlns:a16="http://schemas.microsoft.com/office/drawing/2014/main" val="20003"/>
                     </a:ext>
                   </a:extLst>
                 </a:gridCol>
-                <a:gridCol w="875150">
+                <a:gridCol w="889907">
                   <a:extLst>
                     <a:ext uri="{9D8B030D-6E8A-4147-A177-3AD203B41FA5}">
                       <a16:colId xmlns:a16="http://schemas.microsoft.com/office/drawing/2014/main" val="20004"/>
                     </a:ext>
                   </a:extLst>
                 </a:gridCol>
-                <a:gridCol w="384150">
+                <a:gridCol w="567282">
                   <a:extLst>
                     <a:ext uri="{9D8B030D-6E8A-4147-A177-3AD203B41FA5}">
                       <a16:colId xmlns:a16="http://schemas.microsoft.com/office/drawing/2014/main" val="20005"/>
@@ -10651,7 +10644,7 @@
                     <a:bodyPr/>
                     <a:lstStyle/>
                     <a:p>
-                      <a:pPr marL="0" lvl="0" indent="0" algn="l" rtl="0">
+                      <a:pPr marL="0" lvl="0" indent="0" algn="ctr" rtl="0">
                         <a:spcBef>
                           <a:spcPts val="0"/>
                         </a:spcBef>
@@ -10661,8 +10654,8 @@
                         <a:buNone/>
                       </a:pPr>
                       <a:r>
-                        <a:rPr lang="en" dirty="0"/>
-                        <a:t>v:</a:t>
+                        <a:rPr lang="en-US" dirty="0"/>
+                        <a:t>v</a:t>
                       </a:r>
                       <a:endParaRPr dirty="0"/>
                     </a:p>
@@ -10677,7 +10670,7 @@
                       <a:headEnd type="none" w="sm" len="sm"/>
                       <a:tailEnd type="none" w="sm" len="sm"/>
                     </a:lnT>
-                    <a:lnB w="9525" cap="flat" cmpd="sng">
+                    <a:lnB w="9525" cap="flat" cmpd="sng" algn="ctr">
                       <a:solidFill>
                         <a:srgbClr val="9E9E9E"/>
                       </a:solidFill>
@@ -10688,6 +10681,215 @@
                     </a:lnB>
                   </a:tcPr>
                 </a:tc>
+                <a:tc>
+                  <a:txBody>
+                    <a:bodyPr/>
+                    <a:lstStyle/>
+                    <a:p>
+                      <a:pPr marL="0" lvl="0" indent="0" algn="ctr" rtl="0">
+                        <a:spcBef>
+                          <a:spcPts val="0"/>
+                        </a:spcBef>
+                        <a:spcAft>
+                          <a:spcPts val="0"/>
+                        </a:spcAft>
+                        <a:buNone/>
+                      </a:pPr>
+                      <a:endParaRPr dirty="0"/>
+                    </a:p>
+                  </a:txBody>
+                  <a:tcPr marL="91425" marR="91425" marT="91425" marB="91425">
+                    <a:lnT w="9525" cap="flat" cmpd="sng" algn="ctr">
+                      <a:solidFill>
+                        <a:srgbClr val="9E9E9E"/>
+                      </a:solidFill>
+                      <a:prstDash val="solid"/>
+                      <a:round/>
+                      <a:headEnd type="none" w="sm" len="sm"/>
+                      <a:tailEnd type="none" w="sm" len="sm"/>
+                    </a:lnT>
+                    <a:lnB w="9525" cap="flat" cmpd="sng">
+                      <a:solidFill>
+                        <a:srgbClr val="9E9E9E"/>
+                      </a:solidFill>
+                      <a:prstDash val="solid"/>
+                      <a:round/>
+                      <a:headEnd type="none" w="sm" len="sm"/>
+                      <a:tailEnd type="none" w="sm" len="sm"/>
+                    </a:lnB>
+                  </a:tcPr>
+                </a:tc>
+                <a:tc>
+                  <a:txBody>
+                    <a:bodyPr/>
+                    <a:lstStyle/>
+                    <a:p>
+                      <a:pPr marL="0" lvl="0" indent="0" algn="ctr" rtl="0">
+                        <a:spcBef>
+                          <a:spcPts val="0"/>
+                        </a:spcBef>
+                        <a:spcAft>
+                          <a:spcPts val="0"/>
+                        </a:spcAft>
+                        <a:buNone/>
+                      </a:pPr>
+                      <a:r>
+                        <a:rPr lang="en-US" dirty="0"/>
+                        <a:t>v</a:t>
+                      </a:r>
+                      <a:endParaRPr dirty="0"/>
+                    </a:p>
+                  </a:txBody>
+                  <a:tcPr marL="91425" marR="91425" marT="91425" marB="91425">
+                    <a:lnT w="9525" cap="flat" cmpd="sng" algn="ctr">
+                      <a:solidFill>
+                        <a:srgbClr val="9E9E9E"/>
+                      </a:solidFill>
+                      <a:prstDash val="solid"/>
+                      <a:round/>
+                      <a:headEnd type="none" w="sm" len="sm"/>
+                      <a:tailEnd type="none" w="sm" len="sm"/>
+                    </a:lnT>
+                    <a:lnB w="9525" cap="flat" cmpd="sng">
+                      <a:solidFill>
+                        <a:srgbClr val="9E9E9E"/>
+                      </a:solidFill>
+                      <a:prstDash val="solid"/>
+                      <a:round/>
+                      <a:headEnd type="none" w="sm" len="sm"/>
+                      <a:tailEnd type="none" w="sm" len="sm"/>
+                    </a:lnB>
+                  </a:tcPr>
+                </a:tc>
+                <a:tc>
+                  <a:txBody>
+                    <a:bodyPr/>
+                    <a:lstStyle/>
+                    <a:p>
+                      <a:pPr marL="0" lvl="0" indent="0" algn="ctr" rtl="0">
+                        <a:spcBef>
+                          <a:spcPts val="0"/>
+                        </a:spcBef>
+                        <a:spcAft>
+                          <a:spcPts val="0"/>
+                        </a:spcAft>
+                        <a:buNone/>
+                      </a:pPr>
+                      <a:r>
+                        <a:rPr lang="en-US" dirty="0"/>
+                        <a:t>base</a:t>
+                      </a:r>
+                      <a:endParaRPr dirty="0"/>
+                    </a:p>
+                  </a:txBody>
+                  <a:tcPr marL="91425" marR="91425" marT="91425" marB="91425">
+                    <a:lnT w="9525" cap="flat" cmpd="sng" algn="ctr">
+                      <a:solidFill>
+                        <a:srgbClr val="9E9E9E"/>
+                      </a:solidFill>
+                      <a:prstDash val="solid"/>
+                      <a:round/>
+                      <a:headEnd type="none" w="sm" len="sm"/>
+                      <a:tailEnd type="none" w="sm" len="sm"/>
+                    </a:lnT>
+                    <a:lnB w="9525" cap="flat" cmpd="sng">
+                      <a:solidFill>
+                        <a:srgbClr val="9E9E9E"/>
+                      </a:solidFill>
+                      <a:prstDash val="solid"/>
+                      <a:round/>
+                      <a:headEnd type="none" w="sm" len="sm"/>
+                      <a:tailEnd type="none" w="sm" len="sm"/>
+                    </a:lnB>
+                  </a:tcPr>
+                </a:tc>
+                <a:tc>
+                  <a:txBody>
+                    <a:bodyPr/>
+                    <a:lstStyle/>
+                    <a:p>
+                      <a:pPr marL="0" lvl="0" indent="0" algn="ctr" rtl="0">
+                        <a:spcBef>
+                          <a:spcPts val="0"/>
+                        </a:spcBef>
+                        <a:spcAft>
+                          <a:spcPts val="0"/>
+                        </a:spcAft>
+                        <a:buNone/>
+                      </a:pPr>
+                      <a:r>
+                        <a:rPr lang="en-US" dirty="0"/>
+                        <a:t>digit</a:t>
+                      </a:r>
+                      <a:endParaRPr dirty="0"/>
+                    </a:p>
+                  </a:txBody>
+                  <a:tcPr marL="91425" marR="91425" marT="91425" marB="91425">
+                    <a:lnT w="9525" cap="flat" cmpd="sng" algn="ctr">
+                      <a:solidFill>
+                        <a:srgbClr val="9E9E9E"/>
+                      </a:solidFill>
+                      <a:prstDash val="solid"/>
+                      <a:round/>
+                      <a:headEnd type="none" w="sm" len="sm"/>
+                      <a:tailEnd type="none" w="sm" len="sm"/>
+                    </a:lnT>
+                    <a:lnB w="9525" cap="flat" cmpd="sng">
+                      <a:solidFill>
+                        <a:srgbClr val="9E9E9E"/>
+                      </a:solidFill>
+                      <a:prstDash val="solid"/>
+                      <a:round/>
+                      <a:headEnd type="none" w="sm" len="sm"/>
+                      <a:tailEnd type="none" w="sm" len="sm"/>
+                    </a:lnB>
+                  </a:tcPr>
+                </a:tc>
+                <a:tc>
+                  <a:txBody>
+                    <a:bodyPr/>
+                    <a:lstStyle/>
+                    <a:p>
+                      <a:pPr marL="0" lvl="0" indent="0" algn="ctr" rtl="0">
+                        <a:spcBef>
+                          <a:spcPts val="0"/>
+                        </a:spcBef>
+                        <a:spcAft>
+                          <a:spcPts val="0"/>
+                        </a:spcAft>
+                        <a:buNone/>
+                      </a:pPr>
+                      <a:endParaRPr dirty="0"/>
+                    </a:p>
+                  </a:txBody>
+                  <a:tcPr marL="91425" marR="91425" marT="91425" marB="91425">
+                    <a:lnT w="9525" cap="flat" cmpd="sng" algn="ctr">
+                      <a:solidFill>
+                        <a:srgbClr val="9E9E9E"/>
+                      </a:solidFill>
+                      <a:prstDash val="solid"/>
+                      <a:round/>
+                      <a:headEnd type="none" w="sm" len="sm"/>
+                      <a:tailEnd type="none" w="sm" len="sm"/>
+                    </a:lnT>
+                    <a:lnB w="9525" cap="flat" cmpd="sng">
+                      <a:solidFill>
+                        <a:srgbClr val="9E9E9E"/>
+                      </a:solidFill>
+                      <a:prstDash val="solid"/>
+                      <a:round/>
+                      <a:headEnd type="none" w="sm" len="sm"/>
+                      <a:tailEnd type="none" w="sm" len="sm"/>
+                    </a:lnB>
+                  </a:tcPr>
+                </a:tc>
+                <a:extLst>
+                  <a:ext uri="{0D108BD9-81ED-4DB2-BD59-A6C34878D82A}">
+                    <a16:rowId xmlns:a16="http://schemas.microsoft.com/office/drawing/2014/main" val="3880649887"/>
+                  </a:ext>
+                </a:extLst>
+              </a:tr>
+              <a:tr h="396200">
                 <a:tc>
                   <a:txBody>
                     <a:bodyPr/>
@@ -10719,7 +10921,7 @@
                       <a:headEnd type="none" w="sm" len="sm"/>
                       <a:tailEnd type="none" w="sm" len="sm"/>
                     </a:lnT>
-                    <a:lnB w="9525" cap="flat" cmpd="sng">
+                    <a:lnB w="9525" cap="flat" cmpd="sng" algn="ctr">
                       <a:solidFill>
                         <a:srgbClr val="9E9E9E"/>
                       </a:solidFill>
@@ -10952,66 +11154,6 @@
                     <a:bodyPr/>
                     <a:lstStyle/>
                     <a:p>
-                      <a:pPr marL="0" lvl="0" indent="0" algn="l" rtl="0">
-                        <a:spcBef>
-                          <a:spcPts val="0"/>
-                        </a:spcBef>
-                        <a:spcAft>
-                          <a:spcPts val="0"/>
-                        </a:spcAft>
-                        <a:buNone/>
-                      </a:pPr>
-                      <a:r>
-                        <a:rPr lang="en"/>
-                        <a:t>v:</a:t>
-                      </a:r>
-                      <a:endParaRPr/>
-                    </a:p>
-                  </a:txBody>
-                  <a:tcPr marL="91425" marR="91425" marT="91425" marB="91425">
-                    <a:lnL w="9525" cap="flat" cmpd="sng">
-                      <a:solidFill>
-                        <a:srgbClr val="9E9E9E"/>
-                      </a:solidFill>
-                      <a:prstDash val="solid"/>
-                      <a:round/>
-                      <a:headEnd type="none" w="sm" len="sm"/>
-                      <a:tailEnd type="none" w="sm" len="sm"/>
-                    </a:lnL>
-                    <a:lnR w="9525" cap="flat" cmpd="sng">
-                      <a:solidFill>
-                        <a:srgbClr val="9E9E9E"/>
-                      </a:solidFill>
-                      <a:prstDash val="solid"/>
-                      <a:round/>
-                      <a:headEnd type="none" w="sm" len="sm"/>
-                      <a:tailEnd type="none" w="sm" len="sm"/>
-                    </a:lnR>
-                    <a:lnT w="9525" cap="flat" cmpd="sng">
-                      <a:solidFill>
-                        <a:srgbClr val="9E9E9E"/>
-                      </a:solidFill>
-                      <a:prstDash val="solid"/>
-                      <a:round/>
-                      <a:headEnd type="none" w="sm" len="sm"/>
-                      <a:tailEnd type="none" w="sm" len="sm"/>
-                    </a:lnT>
-                    <a:lnB w="9525" cap="flat" cmpd="sng">
-                      <a:solidFill>
-                        <a:srgbClr val="9E9E9E"/>
-                      </a:solidFill>
-                      <a:prstDash val="solid"/>
-                      <a:round/>
-                      <a:headEnd type="none" w="sm" len="sm"/>
-                      <a:tailEnd type="none" w="sm" len="sm"/>
-                    </a:lnB>
-                  </a:tcPr>
-                </a:tc>
-                <a:tc>
-                  <a:txBody>
-                    <a:bodyPr/>
-                    <a:lstStyle/>
-                    <a:p>
                       <a:pPr marL="0" lvl="0" indent="0" algn="r" rtl="0">
                         <a:spcBef>
                           <a:spcPts val="0"/>
@@ -11047,7 +11189,7 @@
                       <a:headEnd type="none" w="sm" len="sm"/>
                       <a:tailEnd type="none" w="sm" len="sm"/>
                     </a:lnR>
-                    <a:lnT w="9525" cap="flat" cmpd="sng">
+                    <a:lnT w="9525" cap="flat" cmpd="sng" algn="ctr">
                       <a:solidFill>
                         <a:srgbClr val="9E9E9E"/>
                       </a:solidFill>
@@ -11056,7 +11198,7 @@
                       <a:headEnd type="none" w="sm" len="sm"/>
                       <a:tailEnd type="none" w="sm" len="sm"/>
                     </a:lnT>
-                    <a:lnB w="9525" cap="flat" cmpd="sng">
+                    <a:lnB w="9525" cap="flat" cmpd="sng" algn="ctr">
                       <a:solidFill>
                         <a:srgbClr val="9E9E9E"/>
                       </a:solidFill>
@@ -11379,66 +11521,6 @@
                     <a:bodyPr/>
                     <a:lstStyle/>
                     <a:p>
-                      <a:pPr marL="0" lvl="0" indent="0" algn="l" rtl="0">
-                        <a:spcBef>
-                          <a:spcPts val="0"/>
-                        </a:spcBef>
-                        <a:spcAft>
-                          <a:spcPts val="0"/>
-                        </a:spcAft>
-                        <a:buNone/>
-                      </a:pPr>
-                      <a:r>
-                        <a:rPr lang="en"/>
-                        <a:t>v:</a:t>
-                      </a:r>
-                      <a:endParaRPr/>
-                    </a:p>
-                  </a:txBody>
-                  <a:tcPr marL="91425" marR="91425" marT="91425" marB="91425">
-                    <a:lnL w="9525" cap="flat" cmpd="sng">
-                      <a:solidFill>
-                        <a:srgbClr val="9E9E9E"/>
-                      </a:solidFill>
-                      <a:prstDash val="solid"/>
-                      <a:round/>
-                      <a:headEnd type="none" w="sm" len="sm"/>
-                      <a:tailEnd type="none" w="sm" len="sm"/>
-                    </a:lnL>
-                    <a:lnR w="9525" cap="flat" cmpd="sng">
-                      <a:solidFill>
-                        <a:srgbClr val="9E9E9E"/>
-                      </a:solidFill>
-                      <a:prstDash val="solid"/>
-                      <a:round/>
-                      <a:headEnd type="none" w="sm" len="sm"/>
-                      <a:tailEnd type="none" w="sm" len="sm"/>
-                    </a:lnR>
-                    <a:lnT w="9525" cap="flat" cmpd="sng">
-                      <a:solidFill>
-                        <a:srgbClr val="9E9E9E"/>
-                      </a:solidFill>
-                      <a:prstDash val="solid"/>
-                      <a:round/>
-                      <a:headEnd type="none" w="sm" len="sm"/>
-                      <a:tailEnd type="none" w="sm" len="sm"/>
-                    </a:lnT>
-                    <a:lnB w="9525" cap="flat" cmpd="sng">
-                      <a:solidFill>
-                        <a:srgbClr val="9E9E9E"/>
-                      </a:solidFill>
-                      <a:prstDash val="solid"/>
-                      <a:round/>
-                      <a:headEnd type="none" w="sm" len="sm"/>
-                      <a:tailEnd type="none" w="sm" len="sm"/>
-                    </a:lnB>
-                  </a:tcPr>
-                </a:tc>
-                <a:tc>
-                  <a:txBody>
-                    <a:bodyPr/>
-                    <a:lstStyle/>
-                    <a:p>
                       <a:pPr marL="0" lvl="0" indent="0" algn="r" rtl="0">
                         <a:spcBef>
                           <a:spcPts val="0"/>
@@ -11474,7 +11556,7 @@
                       <a:headEnd type="none" w="sm" len="sm"/>
                       <a:tailEnd type="none" w="sm" len="sm"/>
                     </a:lnR>
-                    <a:lnT w="9525" cap="flat" cmpd="sng">
+                    <a:lnT w="9525" cap="flat" cmpd="sng" algn="ctr">
                       <a:solidFill>
                         <a:srgbClr val="9E9E9E"/>
                       </a:solidFill>
@@ -11483,7 +11565,7 @@
                       <a:headEnd type="none" w="sm" len="sm"/>
                       <a:tailEnd type="none" w="sm" len="sm"/>
                     </a:lnT>
-                    <a:lnB w="9525" cap="flat" cmpd="sng">
+                    <a:lnB w="9525" cap="flat" cmpd="sng" algn="ctr">
                       <a:solidFill>
                         <a:srgbClr val="9E9E9E"/>
                       </a:solidFill>
@@ -11846,7 +11928,7 @@
                       <a:headEnd type="none" w="sm" len="sm"/>
                       <a:tailEnd type="none" w="sm" len="sm"/>
                     </a:lnR>
-                    <a:lnT w="9525" cap="flat" cmpd="sng">
+                    <a:lnT w="9525" cap="flat" cmpd="sng" algn="ctr">
                       <a:solidFill>
                         <a:srgbClr val="9E9E9E"/>
                       </a:solidFill>
@@ -11855,7 +11937,7 @@
                       <a:headEnd type="none" w="sm" len="sm"/>
                       <a:tailEnd type="none" w="sm" len="sm"/>
                     </a:lnT>
-                    <a:lnB w="9525" cap="flat" cmpd="sng">
+                    <a:lnB w="9525" cap="flat" cmpd="sng" algn="ctr">
                       <a:solidFill>
                         <a:srgbClr val="9E9E9E"/>
                       </a:solidFill>
@@ -11936,63 +12018,7 @@
                         </a:spcAft>
                         <a:buNone/>
                       </a:pPr>
-                      <a:endParaRPr/>
-                    </a:p>
-                  </a:txBody>
-                  <a:tcPr marL="91425" marR="91425" marT="91425" marB="91425">
-                    <a:lnL w="9525" cap="flat" cmpd="sng">
-                      <a:solidFill>
-                        <a:srgbClr val="9E9E9E"/>
-                      </a:solidFill>
-                      <a:prstDash val="solid"/>
-                      <a:round/>
-                      <a:headEnd type="none" w="sm" len="sm"/>
-                      <a:tailEnd type="none" w="sm" len="sm"/>
-                    </a:lnL>
-                    <a:lnR w="9525" cap="flat" cmpd="sng">
-                      <a:solidFill>
-                        <a:srgbClr val="9E9E9E"/>
-                      </a:solidFill>
-                      <a:prstDash val="solid"/>
-                      <a:round/>
-                      <a:headEnd type="none" w="sm" len="sm"/>
-                      <a:tailEnd type="none" w="sm" len="sm"/>
-                    </a:lnR>
-                    <a:lnT w="9525" cap="flat" cmpd="sng">
-                      <a:solidFill>
-                        <a:srgbClr val="9E9E9E"/>
-                      </a:solidFill>
-                      <a:prstDash val="solid"/>
-                      <a:round/>
-                      <a:headEnd type="none" w="sm" len="sm"/>
-                      <a:tailEnd type="none" w="sm" len="sm"/>
-                    </a:lnT>
-                    <a:lnB w="9525" cap="flat" cmpd="sng">
-                      <a:solidFill>
-                        <a:srgbClr val="9E9E9E"/>
-                      </a:solidFill>
-                      <a:prstDash val="solid"/>
-                      <a:round/>
-                      <a:headEnd type="none" w="sm" len="sm"/>
-                      <a:tailEnd type="none" w="sm" len="sm"/>
-                    </a:lnB>
-                  </a:tcPr>
-                </a:tc>
-                <a:tc>
-                  <a:txBody>
-                    <a:bodyPr/>
-                    <a:lstStyle/>
-                    <a:p>
-                      <a:pPr marL="0" lvl="0" indent="0" algn="l" rtl="0">
-                        <a:spcBef>
-                          <a:spcPts val="0"/>
-                        </a:spcBef>
-                        <a:spcAft>
-                          <a:spcPts val="0"/>
-                        </a:spcAft>
-                        <a:buNone/>
-                      </a:pPr>
-                      <a:endParaRPr/>
+                      <a:endParaRPr dirty="0"/>
                     </a:p>
                   </a:txBody>
                   <a:tcPr marL="91425" marR="91425" marT="91425" marB="91425">
@@ -12245,7 +12271,7 @@
                       <a:headEnd type="none" w="sm" len="sm"/>
                       <a:tailEnd type="none" w="sm" len="sm"/>
                     </a:lnR>
-                    <a:lnT w="9525" cap="flat" cmpd="sng">
+                    <a:lnT w="9525" cap="flat" cmpd="sng" algn="ctr">
                       <a:solidFill>
                         <a:srgbClr val="9E9E9E"/>
                       </a:solidFill>
@@ -12254,63 +12280,7 @@
                       <a:headEnd type="none" w="sm" len="sm"/>
                       <a:tailEnd type="none" w="sm" len="sm"/>
                     </a:lnT>
-                    <a:lnB w="9525" cap="flat" cmpd="sng">
-                      <a:solidFill>
-                        <a:srgbClr val="9E9E9E"/>
-                      </a:solidFill>
-                      <a:prstDash val="solid"/>
-                      <a:round/>
-                      <a:headEnd type="none" w="sm" len="sm"/>
-                      <a:tailEnd type="none" w="sm" len="sm"/>
-                    </a:lnB>
-                  </a:tcPr>
-                </a:tc>
-                <a:tc>
-                  <a:txBody>
-                    <a:bodyPr/>
-                    <a:lstStyle/>
-                    <a:p>
-                      <a:pPr marL="0" lvl="0" indent="0" algn="l" rtl="0">
-                        <a:spcBef>
-                          <a:spcPts val="0"/>
-                        </a:spcBef>
-                        <a:spcAft>
-                          <a:spcPts val="0"/>
-                        </a:spcAft>
-                        <a:buNone/>
-                      </a:pPr>
-                      <a:endParaRPr/>
-                    </a:p>
-                  </a:txBody>
-                  <a:tcPr marL="91425" marR="91425" marT="91425" marB="91425">
-                    <a:lnL w="9525" cap="flat" cmpd="sng">
-                      <a:solidFill>
-                        <a:srgbClr val="9E9E9E"/>
-                      </a:solidFill>
-                      <a:prstDash val="solid"/>
-                      <a:round/>
-                      <a:headEnd type="none" w="sm" len="sm"/>
-                      <a:tailEnd type="none" w="sm" len="sm"/>
-                    </a:lnL>
-                    <a:lnR w="9525" cap="flat" cmpd="sng">
-                      <a:solidFill>
-                        <a:srgbClr val="9E9E9E"/>
-                      </a:solidFill>
-                      <a:prstDash val="solid"/>
-                      <a:round/>
-                      <a:headEnd type="none" w="sm" len="sm"/>
-                      <a:tailEnd type="none" w="sm" len="sm"/>
-                    </a:lnR>
-                    <a:lnT w="9525" cap="flat" cmpd="sng">
-                      <a:solidFill>
-                        <a:srgbClr val="9E9E9E"/>
-                      </a:solidFill>
-                      <a:prstDash val="solid"/>
-                      <a:round/>
-                      <a:headEnd type="none" w="sm" len="sm"/>
-                      <a:tailEnd type="none" w="sm" len="sm"/>
-                    </a:lnT>
-                    <a:lnB w="9525" cap="flat" cmpd="sng">
+                    <a:lnB w="9525" cap="flat" cmpd="sng" algn="ctr">
                       <a:solidFill>
                         <a:srgbClr val="9E9E9E"/>
                       </a:solidFill>
@@ -12644,7 +12614,7 @@
                       <a:headEnd type="none" w="sm" len="sm"/>
                       <a:tailEnd type="none" w="sm" len="sm"/>
                     </a:lnR>
-                    <a:lnT w="9525" cap="flat" cmpd="sng">
+                    <a:lnT w="9525" cap="flat" cmpd="sng" algn="ctr">
                       <a:solidFill>
                         <a:srgbClr val="9E9E9E"/>
                       </a:solidFill>
@@ -12653,7 +12623,7 @@
                       <a:headEnd type="none" w="sm" len="sm"/>
                       <a:tailEnd type="none" w="sm" len="sm"/>
                     </a:lnT>
-                    <a:lnB w="9525" cap="flat" cmpd="sng">
+                    <a:lnB w="9525" cap="flat" cmpd="sng" algn="ctr">
                       <a:solidFill>
                         <a:srgbClr val="9E9E9E"/>
                       </a:solidFill>
@@ -12790,7 +12760,7 @@
                         </a:spcAft>
                         <a:buNone/>
                       </a:pPr>
-                      <a:endParaRPr/>
+                      <a:endParaRPr dirty="0"/>
                     </a:p>
                   </a:txBody>
                   <a:tcPr marL="91425" marR="91425" marT="91425" marB="91425">
@@ -12893,860 +12863,6 @@
                     <a:bodyPr/>
                     <a:lstStyle/>
                     <a:p>
-                      <a:pPr marL="0" lvl="0" indent="0" algn="l" rtl="0">
-                        <a:spcBef>
-                          <a:spcPts val="0"/>
-                        </a:spcBef>
-                        <a:spcAft>
-                          <a:spcPts val="0"/>
-                        </a:spcAft>
-                        <a:buNone/>
-                      </a:pPr>
-                      <a:endParaRPr/>
-                    </a:p>
-                  </a:txBody>
-                  <a:tcPr marL="91425" marR="91425" marT="91425" marB="91425">
-                    <a:lnL w="9525" cap="flat" cmpd="sng">
-                      <a:solidFill>
-                        <a:srgbClr val="9E9E9E"/>
-                      </a:solidFill>
-                      <a:prstDash val="solid"/>
-                      <a:round/>
-                      <a:headEnd type="none" w="sm" len="sm"/>
-                      <a:tailEnd type="none" w="sm" len="sm"/>
-                    </a:lnL>
-                    <a:lnR w="9525" cap="flat" cmpd="sng">
-                      <a:solidFill>
-                        <a:srgbClr val="9E9E9E"/>
-                      </a:solidFill>
-                      <a:prstDash val="solid"/>
-                      <a:round/>
-                      <a:headEnd type="none" w="sm" len="sm"/>
-                      <a:tailEnd type="none" w="sm" len="sm"/>
-                    </a:lnR>
-                    <a:lnT w="9525" cap="flat" cmpd="sng">
-                      <a:solidFill>
-                        <a:srgbClr val="9E9E9E"/>
-                      </a:solidFill>
-                      <a:prstDash val="solid"/>
-                      <a:round/>
-                      <a:headEnd type="none" w="sm" len="sm"/>
-                      <a:tailEnd type="none" w="sm" len="sm"/>
-                    </a:lnT>
-                    <a:lnB w="9525" cap="flat" cmpd="sng">
-                      <a:solidFill>
-                        <a:srgbClr val="9E9E9E"/>
-                      </a:solidFill>
-                      <a:prstDash val="solid"/>
-                      <a:round/>
-                      <a:headEnd type="none" w="sm" len="sm"/>
-                      <a:tailEnd type="none" w="sm" len="sm"/>
-                    </a:lnB>
-                  </a:tcPr>
-                </a:tc>
-                <a:tc>
-                  <a:txBody>
-                    <a:bodyPr/>
-                    <a:lstStyle/>
-                    <a:p>
-                      <a:pPr marL="0" lvl="0" indent="0" algn="ctr" rtl="0">
-                        <a:spcBef>
-                          <a:spcPts val="0"/>
-                        </a:spcBef>
-                        <a:spcAft>
-                          <a:spcPts val="0"/>
-                        </a:spcAft>
-                        <a:buNone/>
-                      </a:pPr>
-                      <a:endParaRPr/>
-                    </a:p>
-                  </a:txBody>
-                  <a:tcPr marL="91425" marR="91425" marT="91425" marB="91425">
-                    <a:lnL w="9525" cap="flat" cmpd="sng">
-                      <a:solidFill>
-                        <a:srgbClr val="9E9E9E"/>
-                      </a:solidFill>
-                      <a:prstDash val="solid"/>
-                      <a:round/>
-                      <a:headEnd type="none" w="sm" len="sm"/>
-                      <a:tailEnd type="none" w="sm" len="sm"/>
-                    </a:lnL>
-                    <a:lnR w="9525" cap="flat" cmpd="sng">
-                      <a:solidFill>
-                        <a:srgbClr val="9E9E9E"/>
-                      </a:solidFill>
-                      <a:prstDash val="solid"/>
-                      <a:round/>
-                      <a:headEnd type="none" w="sm" len="sm"/>
-                      <a:tailEnd type="none" w="sm" len="sm"/>
-                    </a:lnR>
-                    <a:lnT w="9525" cap="flat" cmpd="sng">
-                      <a:solidFill>
-                        <a:srgbClr val="9E9E9E"/>
-                      </a:solidFill>
-                      <a:prstDash val="solid"/>
-                      <a:round/>
-                      <a:headEnd type="none" w="sm" len="sm"/>
-                      <a:tailEnd type="none" w="sm" len="sm"/>
-                    </a:lnT>
-                    <a:lnB w="9525" cap="flat" cmpd="sng">
-                      <a:solidFill>
-                        <a:srgbClr val="9E9E9E"/>
-                      </a:solidFill>
-                      <a:prstDash val="solid"/>
-                      <a:round/>
-                      <a:headEnd type="none" w="sm" len="sm"/>
-                      <a:tailEnd type="none" w="sm" len="sm"/>
-                    </a:lnB>
-                  </a:tcPr>
-                </a:tc>
-                <a:extLst>
-                  <a:ext uri="{0D108BD9-81ED-4DB2-BD59-A6C34878D82A}">
-                    <a16:rowId xmlns:a16="http://schemas.microsoft.com/office/drawing/2014/main" val="10005"/>
-                  </a:ext>
-                </a:extLst>
-              </a:tr>
-              <a:tr h="381000">
-                <a:tc>
-                  <a:txBody>
-                    <a:bodyPr/>
-                    <a:lstStyle/>
-                    <a:p>
-                      <a:pPr marL="0" lvl="0" indent="0" algn="l" rtl="0">
-                        <a:spcBef>
-                          <a:spcPts val="0"/>
-                        </a:spcBef>
-                        <a:spcAft>
-                          <a:spcPts val="0"/>
-                        </a:spcAft>
-                        <a:buNone/>
-                      </a:pPr>
-                      <a:endParaRPr/>
-                    </a:p>
-                  </a:txBody>
-                  <a:tcPr marL="91425" marR="91425" marT="91425" marB="91425">
-                    <a:lnL w="9525" cap="flat" cmpd="sng">
-                      <a:solidFill>
-                        <a:srgbClr val="9E9E9E"/>
-                      </a:solidFill>
-                      <a:prstDash val="solid"/>
-                      <a:round/>
-                      <a:headEnd type="none" w="sm" len="sm"/>
-                      <a:tailEnd type="none" w="sm" len="sm"/>
-                    </a:lnL>
-                    <a:lnR w="9525" cap="flat" cmpd="sng">
-                      <a:solidFill>
-                        <a:srgbClr val="9E9E9E"/>
-                      </a:solidFill>
-                      <a:prstDash val="solid"/>
-                      <a:round/>
-                      <a:headEnd type="none" w="sm" len="sm"/>
-                      <a:tailEnd type="none" w="sm" len="sm"/>
-                    </a:lnR>
-                    <a:lnT w="9525" cap="flat" cmpd="sng">
-                      <a:solidFill>
-                        <a:srgbClr val="9E9E9E"/>
-                      </a:solidFill>
-                      <a:prstDash val="solid"/>
-                      <a:round/>
-                      <a:headEnd type="none" w="sm" len="sm"/>
-                      <a:tailEnd type="none" w="sm" len="sm"/>
-                    </a:lnT>
-                    <a:lnB w="9525" cap="flat" cmpd="sng">
-                      <a:solidFill>
-                        <a:srgbClr val="9E9E9E"/>
-                      </a:solidFill>
-                      <a:prstDash val="solid"/>
-                      <a:round/>
-                      <a:headEnd type="none" w="sm" len="sm"/>
-                      <a:tailEnd type="none" w="sm" len="sm"/>
-                    </a:lnB>
-                  </a:tcPr>
-                </a:tc>
-                <a:tc>
-                  <a:txBody>
-                    <a:bodyPr/>
-                    <a:lstStyle/>
-                    <a:p>
-                      <a:pPr marL="0" lvl="0" indent="0" algn="l" rtl="0">
-                        <a:spcBef>
-                          <a:spcPts val="0"/>
-                        </a:spcBef>
-                        <a:spcAft>
-                          <a:spcPts val="0"/>
-                        </a:spcAft>
-                        <a:buNone/>
-                      </a:pPr>
-                      <a:endParaRPr/>
-                    </a:p>
-                  </a:txBody>
-                  <a:tcPr marL="91425" marR="91425" marT="91425" marB="91425">
-                    <a:lnL w="9525" cap="flat" cmpd="sng">
-                      <a:solidFill>
-                        <a:srgbClr val="9E9E9E"/>
-                      </a:solidFill>
-                      <a:prstDash val="solid"/>
-                      <a:round/>
-                      <a:headEnd type="none" w="sm" len="sm"/>
-                      <a:tailEnd type="none" w="sm" len="sm"/>
-                    </a:lnL>
-                    <a:lnR w="9525" cap="flat" cmpd="sng">
-                      <a:solidFill>
-                        <a:srgbClr val="9E9E9E"/>
-                      </a:solidFill>
-                      <a:prstDash val="solid"/>
-                      <a:round/>
-                      <a:headEnd type="none" w="sm" len="sm"/>
-                      <a:tailEnd type="none" w="sm" len="sm"/>
-                    </a:lnR>
-                    <a:lnT w="9525" cap="flat" cmpd="sng">
-                      <a:solidFill>
-                        <a:srgbClr val="9E9E9E"/>
-                      </a:solidFill>
-                      <a:prstDash val="solid"/>
-                      <a:round/>
-                      <a:headEnd type="none" w="sm" len="sm"/>
-                      <a:tailEnd type="none" w="sm" len="sm"/>
-                    </a:lnT>
-                    <a:lnB w="9525" cap="flat" cmpd="sng">
-                      <a:solidFill>
-                        <a:srgbClr val="9E9E9E"/>
-                      </a:solidFill>
-                      <a:prstDash val="solid"/>
-                      <a:round/>
-                      <a:headEnd type="none" w="sm" len="sm"/>
-                      <a:tailEnd type="none" w="sm" len="sm"/>
-                    </a:lnB>
-                  </a:tcPr>
-                </a:tc>
-                <a:tc>
-                  <a:txBody>
-                    <a:bodyPr/>
-                    <a:lstStyle/>
-                    <a:p>
-                      <a:pPr marL="0" lvl="0" indent="0" algn="l" rtl="0">
-                        <a:spcBef>
-                          <a:spcPts val="0"/>
-                        </a:spcBef>
-                        <a:spcAft>
-                          <a:spcPts val="0"/>
-                        </a:spcAft>
-                        <a:buNone/>
-                      </a:pPr>
-                      <a:endParaRPr/>
-                    </a:p>
-                  </a:txBody>
-                  <a:tcPr marL="91425" marR="91425" marT="91425" marB="91425">
-                    <a:lnL w="9525" cap="flat" cmpd="sng">
-                      <a:solidFill>
-                        <a:srgbClr val="9E9E9E"/>
-                      </a:solidFill>
-                      <a:prstDash val="solid"/>
-                      <a:round/>
-                      <a:headEnd type="none" w="sm" len="sm"/>
-                      <a:tailEnd type="none" w="sm" len="sm"/>
-                    </a:lnL>
-                    <a:lnR w="9525" cap="flat" cmpd="sng">
-                      <a:solidFill>
-                        <a:srgbClr val="9E9E9E"/>
-                      </a:solidFill>
-                      <a:prstDash val="solid"/>
-                      <a:round/>
-                      <a:headEnd type="none" w="sm" len="sm"/>
-                      <a:tailEnd type="none" w="sm" len="sm"/>
-                    </a:lnR>
-                    <a:lnT w="9525" cap="flat" cmpd="sng">
-                      <a:solidFill>
-                        <a:srgbClr val="9E9E9E"/>
-                      </a:solidFill>
-                      <a:prstDash val="solid"/>
-                      <a:round/>
-                      <a:headEnd type="none" w="sm" len="sm"/>
-                      <a:tailEnd type="none" w="sm" len="sm"/>
-                    </a:lnT>
-                    <a:lnB w="9525" cap="flat" cmpd="sng">
-                      <a:solidFill>
-                        <a:srgbClr val="9E9E9E"/>
-                      </a:solidFill>
-                      <a:prstDash val="solid"/>
-                      <a:round/>
-                      <a:headEnd type="none" w="sm" len="sm"/>
-                      <a:tailEnd type="none" w="sm" len="sm"/>
-                    </a:lnB>
-                  </a:tcPr>
-                </a:tc>
-                <a:tc>
-                  <a:txBody>
-                    <a:bodyPr/>
-                    <a:lstStyle/>
-                    <a:p>
-                      <a:pPr marL="0" lvl="0" indent="0" algn="l" rtl="0">
-                        <a:spcBef>
-                          <a:spcPts val="0"/>
-                        </a:spcBef>
-                        <a:spcAft>
-                          <a:spcPts val="0"/>
-                        </a:spcAft>
-                        <a:buNone/>
-                      </a:pPr>
-                      <a:endParaRPr/>
-                    </a:p>
-                  </a:txBody>
-                  <a:tcPr marL="91425" marR="91425" marT="91425" marB="91425">
-                    <a:lnL w="9525" cap="flat" cmpd="sng">
-                      <a:solidFill>
-                        <a:srgbClr val="9E9E9E"/>
-                      </a:solidFill>
-                      <a:prstDash val="solid"/>
-                      <a:round/>
-                      <a:headEnd type="none" w="sm" len="sm"/>
-                      <a:tailEnd type="none" w="sm" len="sm"/>
-                    </a:lnL>
-                    <a:lnR w="9525" cap="flat" cmpd="sng">
-                      <a:solidFill>
-                        <a:srgbClr val="9E9E9E"/>
-                      </a:solidFill>
-                      <a:prstDash val="solid"/>
-                      <a:round/>
-                      <a:headEnd type="none" w="sm" len="sm"/>
-                      <a:tailEnd type="none" w="sm" len="sm"/>
-                    </a:lnR>
-                    <a:lnT w="9525" cap="flat" cmpd="sng">
-                      <a:solidFill>
-                        <a:srgbClr val="9E9E9E"/>
-                      </a:solidFill>
-                      <a:prstDash val="solid"/>
-                      <a:round/>
-                      <a:headEnd type="none" w="sm" len="sm"/>
-                      <a:tailEnd type="none" w="sm" len="sm"/>
-                    </a:lnT>
-                    <a:lnB w="9525" cap="flat" cmpd="sng">
-                      <a:solidFill>
-                        <a:srgbClr val="9E9E9E"/>
-                      </a:solidFill>
-                      <a:prstDash val="solid"/>
-                      <a:round/>
-                      <a:headEnd type="none" w="sm" len="sm"/>
-                      <a:tailEnd type="none" w="sm" len="sm"/>
-                    </a:lnB>
-                  </a:tcPr>
-                </a:tc>
-                <a:tc>
-                  <a:txBody>
-                    <a:bodyPr/>
-                    <a:lstStyle/>
-                    <a:p>
-                      <a:pPr marL="0" lvl="0" indent="0" algn="l" rtl="0">
-                        <a:spcBef>
-                          <a:spcPts val="0"/>
-                        </a:spcBef>
-                        <a:spcAft>
-                          <a:spcPts val="0"/>
-                        </a:spcAft>
-                        <a:buNone/>
-                      </a:pPr>
-                      <a:endParaRPr/>
-                    </a:p>
-                  </a:txBody>
-                  <a:tcPr marL="91425" marR="91425" marT="91425" marB="91425">
-                    <a:lnL w="9525" cap="flat" cmpd="sng">
-                      <a:solidFill>
-                        <a:srgbClr val="9E9E9E"/>
-                      </a:solidFill>
-                      <a:prstDash val="solid"/>
-                      <a:round/>
-                      <a:headEnd type="none" w="sm" len="sm"/>
-                      <a:tailEnd type="none" w="sm" len="sm"/>
-                    </a:lnL>
-                    <a:lnR w="9525" cap="flat" cmpd="sng">
-                      <a:solidFill>
-                        <a:srgbClr val="9E9E9E"/>
-                      </a:solidFill>
-                      <a:prstDash val="solid"/>
-                      <a:round/>
-                      <a:headEnd type="none" w="sm" len="sm"/>
-                      <a:tailEnd type="none" w="sm" len="sm"/>
-                    </a:lnR>
-                    <a:lnT w="9525" cap="flat" cmpd="sng">
-                      <a:solidFill>
-                        <a:srgbClr val="9E9E9E"/>
-                      </a:solidFill>
-                      <a:prstDash val="solid"/>
-                      <a:round/>
-                      <a:headEnd type="none" w="sm" len="sm"/>
-                      <a:tailEnd type="none" w="sm" len="sm"/>
-                    </a:lnT>
-                    <a:lnB w="9525" cap="flat" cmpd="sng">
-                      <a:solidFill>
-                        <a:srgbClr val="9E9E9E"/>
-                      </a:solidFill>
-                      <a:prstDash val="solid"/>
-                      <a:round/>
-                      <a:headEnd type="none" w="sm" len="sm"/>
-                      <a:tailEnd type="none" w="sm" len="sm"/>
-                    </a:lnB>
-                  </a:tcPr>
-                </a:tc>
-                <a:tc>
-                  <a:txBody>
-                    <a:bodyPr/>
-                    <a:lstStyle/>
-                    <a:p>
-                      <a:pPr marL="0" lvl="0" indent="0" algn="l" rtl="0">
-                        <a:spcBef>
-                          <a:spcPts val="0"/>
-                        </a:spcBef>
-                        <a:spcAft>
-                          <a:spcPts val="0"/>
-                        </a:spcAft>
-                        <a:buNone/>
-                      </a:pPr>
-                      <a:endParaRPr/>
-                    </a:p>
-                  </a:txBody>
-                  <a:tcPr marL="91425" marR="91425" marT="91425" marB="91425">
-                    <a:lnL w="9525" cap="flat" cmpd="sng">
-                      <a:solidFill>
-                        <a:srgbClr val="9E9E9E"/>
-                      </a:solidFill>
-                      <a:prstDash val="solid"/>
-                      <a:round/>
-                      <a:headEnd type="none" w="sm" len="sm"/>
-                      <a:tailEnd type="none" w="sm" len="sm"/>
-                    </a:lnL>
-                    <a:lnR w="9525" cap="flat" cmpd="sng">
-                      <a:solidFill>
-                        <a:srgbClr val="9E9E9E"/>
-                      </a:solidFill>
-                      <a:prstDash val="solid"/>
-                      <a:round/>
-                      <a:headEnd type="none" w="sm" len="sm"/>
-                      <a:tailEnd type="none" w="sm" len="sm"/>
-                    </a:lnR>
-                    <a:lnT w="9525" cap="flat" cmpd="sng">
-                      <a:solidFill>
-                        <a:srgbClr val="9E9E9E"/>
-                      </a:solidFill>
-                      <a:prstDash val="solid"/>
-                      <a:round/>
-                      <a:headEnd type="none" w="sm" len="sm"/>
-                      <a:tailEnd type="none" w="sm" len="sm"/>
-                    </a:lnT>
-                    <a:lnB w="9525" cap="flat" cmpd="sng">
-                      <a:solidFill>
-                        <a:srgbClr val="9E9E9E"/>
-                      </a:solidFill>
-                      <a:prstDash val="solid"/>
-                      <a:round/>
-                      <a:headEnd type="none" w="sm" len="sm"/>
-                      <a:tailEnd type="none" w="sm" len="sm"/>
-                    </a:lnB>
-                  </a:tcPr>
-                </a:tc>
-                <a:tc>
-                  <a:txBody>
-                    <a:bodyPr/>
-                    <a:lstStyle/>
-                    <a:p>
-                      <a:pPr marL="0" lvl="0" indent="0" algn="ctr" rtl="0">
-                        <a:spcBef>
-                          <a:spcPts val="0"/>
-                        </a:spcBef>
-                        <a:spcAft>
-                          <a:spcPts val="0"/>
-                        </a:spcAft>
-                        <a:buNone/>
-                      </a:pPr>
-                      <a:endParaRPr/>
-                    </a:p>
-                  </a:txBody>
-                  <a:tcPr marL="91425" marR="91425" marT="91425" marB="91425">
-                    <a:lnL w="9525" cap="flat" cmpd="sng">
-                      <a:solidFill>
-                        <a:srgbClr val="9E9E9E"/>
-                      </a:solidFill>
-                      <a:prstDash val="solid"/>
-                      <a:round/>
-                      <a:headEnd type="none" w="sm" len="sm"/>
-                      <a:tailEnd type="none" w="sm" len="sm"/>
-                    </a:lnL>
-                    <a:lnR w="9525" cap="flat" cmpd="sng">
-                      <a:solidFill>
-                        <a:srgbClr val="9E9E9E"/>
-                      </a:solidFill>
-                      <a:prstDash val="solid"/>
-                      <a:round/>
-                      <a:headEnd type="none" w="sm" len="sm"/>
-                      <a:tailEnd type="none" w="sm" len="sm"/>
-                    </a:lnR>
-                    <a:lnT w="9525" cap="flat" cmpd="sng">
-                      <a:solidFill>
-                        <a:srgbClr val="9E9E9E"/>
-                      </a:solidFill>
-                      <a:prstDash val="solid"/>
-                      <a:round/>
-                      <a:headEnd type="none" w="sm" len="sm"/>
-                      <a:tailEnd type="none" w="sm" len="sm"/>
-                    </a:lnT>
-                    <a:lnB w="9525" cap="flat" cmpd="sng">
-                      <a:solidFill>
-                        <a:srgbClr val="9E9E9E"/>
-                      </a:solidFill>
-                      <a:prstDash val="solid"/>
-                      <a:round/>
-                      <a:headEnd type="none" w="sm" len="sm"/>
-                      <a:tailEnd type="none" w="sm" len="sm"/>
-                    </a:lnB>
-                  </a:tcPr>
-                </a:tc>
-                <a:extLst>
-                  <a:ext uri="{0D108BD9-81ED-4DB2-BD59-A6C34878D82A}">
-                    <a16:rowId xmlns:a16="http://schemas.microsoft.com/office/drawing/2014/main" val="10006"/>
-                  </a:ext>
-                </a:extLst>
-              </a:tr>
-              <a:tr h="381000">
-                <a:tc>
-                  <a:txBody>
-                    <a:bodyPr/>
-                    <a:lstStyle/>
-                    <a:p>
-                      <a:pPr marL="0" lvl="0" indent="0" algn="l" rtl="0">
-                        <a:spcBef>
-                          <a:spcPts val="0"/>
-                        </a:spcBef>
-                        <a:spcAft>
-                          <a:spcPts val="0"/>
-                        </a:spcAft>
-                        <a:buNone/>
-                      </a:pPr>
-                      <a:endParaRPr/>
-                    </a:p>
-                  </a:txBody>
-                  <a:tcPr marL="91425" marR="91425" marT="91425" marB="91425">
-                    <a:lnL w="9525" cap="flat" cmpd="sng">
-                      <a:solidFill>
-                        <a:srgbClr val="9E9E9E"/>
-                      </a:solidFill>
-                      <a:prstDash val="solid"/>
-                      <a:round/>
-                      <a:headEnd type="none" w="sm" len="sm"/>
-                      <a:tailEnd type="none" w="sm" len="sm"/>
-                    </a:lnL>
-                    <a:lnR w="9525" cap="flat" cmpd="sng">
-                      <a:solidFill>
-                        <a:srgbClr val="9E9E9E"/>
-                      </a:solidFill>
-                      <a:prstDash val="solid"/>
-                      <a:round/>
-                      <a:headEnd type="none" w="sm" len="sm"/>
-                      <a:tailEnd type="none" w="sm" len="sm"/>
-                    </a:lnR>
-                    <a:lnT w="9525" cap="flat" cmpd="sng">
-                      <a:solidFill>
-                        <a:srgbClr val="9E9E9E"/>
-                      </a:solidFill>
-                      <a:prstDash val="solid"/>
-                      <a:round/>
-                      <a:headEnd type="none" w="sm" len="sm"/>
-                      <a:tailEnd type="none" w="sm" len="sm"/>
-                    </a:lnT>
-                    <a:lnB w="9525" cap="flat" cmpd="sng">
-                      <a:solidFill>
-                        <a:srgbClr val="9E9E9E"/>
-                      </a:solidFill>
-                      <a:prstDash val="solid"/>
-                      <a:round/>
-                      <a:headEnd type="none" w="sm" len="sm"/>
-                      <a:tailEnd type="none" w="sm" len="sm"/>
-                    </a:lnB>
-                  </a:tcPr>
-                </a:tc>
-                <a:tc>
-                  <a:txBody>
-                    <a:bodyPr/>
-                    <a:lstStyle/>
-                    <a:p>
-                      <a:pPr marL="0" lvl="0" indent="0" algn="l" rtl="0">
-                        <a:spcBef>
-                          <a:spcPts val="0"/>
-                        </a:spcBef>
-                        <a:spcAft>
-                          <a:spcPts val="0"/>
-                        </a:spcAft>
-                        <a:buNone/>
-                      </a:pPr>
-                      <a:endParaRPr/>
-                    </a:p>
-                  </a:txBody>
-                  <a:tcPr marL="91425" marR="91425" marT="91425" marB="91425">
-                    <a:lnL w="9525" cap="flat" cmpd="sng">
-                      <a:solidFill>
-                        <a:srgbClr val="9E9E9E"/>
-                      </a:solidFill>
-                      <a:prstDash val="solid"/>
-                      <a:round/>
-                      <a:headEnd type="none" w="sm" len="sm"/>
-                      <a:tailEnd type="none" w="sm" len="sm"/>
-                    </a:lnL>
-                    <a:lnR w="9525" cap="flat" cmpd="sng">
-                      <a:solidFill>
-                        <a:srgbClr val="9E9E9E"/>
-                      </a:solidFill>
-                      <a:prstDash val="solid"/>
-                      <a:round/>
-                      <a:headEnd type="none" w="sm" len="sm"/>
-                      <a:tailEnd type="none" w="sm" len="sm"/>
-                    </a:lnR>
-                    <a:lnT w="9525" cap="flat" cmpd="sng">
-                      <a:solidFill>
-                        <a:srgbClr val="9E9E9E"/>
-                      </a:solidFill>
-                      <a:prstDash val="solid"/>
-                      <a:round/>
-                      <a:headEnd type="none" w="sm" len="sm"/>
-                      <a:tailEnd type="none" w="sm" len="sm"/>
-                    </a:lnT>
-                    <a:lnB w="9525" cap="flat" cmpd="sng">
-                      <a:solidFill>
-                        <a:srgbClr val="9E9E9E"/>
-                      </a:solidFill>
-                      <a:prstDash val="solid"/>
-                      <a:round/>
-                      <a:headEnd type="none" w="sm" len="sm"/>
-                      <a:tailEnd type="none" w="sm" len="sm"/>
-                    </a:lnB>
-                  </a:tcPr>
-                </a:tc>
-                <a:tc>
-                  <a:txBody>
-                    <a:bodyPr/>
-                    <a:lstStyle/>
-                    <a:p>
-                      <a:pPr marL="0" lvl="0" indent="0" algn="l" rtl="0">
-                        <a:spcBef>
-                          <a:spcPts val="0"/>
-                        </a:spcBef>
-                        <a:spcAft>
-                          <a:spcPts val="0"/>
-                        </a:spcAft>
-                        <a:buNone/>
-                      </a:pPr>
-                      <a:endParaRPr/>
-                    </a:p>
-                  </a:txBody>
-                  <a:tcPr marL="91425" marR="91425" marT="91425" marB="91425">
-                    <a:lnL w="9525" cap="flat" cmpd="sng">
-                      <a:solidFill>
-                        <a:srgbClr val="9E9E9E"/>
-                      </a:solidFill>
-                      <a:prstDash val="solid"/>
-                      <a:round/>
-                      <a:headEnd type="none" w="sm" len="sm"/>
-                      <a:tailEnd type="none" w="sm" len="sm"/>
-                    </a:lnL>
-                    <a:lnR w="9525" cap="flat" cmpd="sng">
-                      <a:solidFill>
-                        <a:srgbClr val="9E9E9E"/>
-                      </a:solidFill>
-                      <a:prstDash val="solid"/>
-                      <a:round/>
-                      <a:headEnd type="none" w="sm" len="sm"/>
-                      <a:tailEnd type="none" w="sm" len="sm"/>
-                    </a:lnR>
-                    <a:lnT w="9525" cap="flat" cmpd="sng">
-                      <a:solidFill>
-                        <a:srgbClr val="9E9E9E"/>
-                      </a:solidFill>
-                      <a:prstDash val="solid"/>
-                      <a:round/>
-                      <a:headEnd type="none" w="sm" len="sm"/>
-                      <a:tailEnd type="none" w="sm" len="sm"/>
-                    </a:lnT>
-                    <a:lnB w="9525" cap="flat" cmpd="sng">
-                      <a:solidFill>
-                        <a:srgbClr val="9E9E9E"/>
-                      </a:solidFill>
-                      <a:prstDash val="solid"/>
-                      <a:round/>
-                      <a:headEnd type="none" w="sm" len="sm"/>
-                      <a:tailEnd type="none" w="sm" len="sm"/>
-                    </a:lnB>
-                  </a:tcPr>
-                </a:tc>
-                <a:tc>
-                  <a:txBody>
-                    <a:bodyPr/>
-                    <a:lstStyle/>
-                    <a:p>
-                      <a:pPr marL="0" lvl="0" indent="0" algn="l" rtl="0">
-                        <a:spcBef>
-                          <a:spcPts val="0"/>
-                        </a:spcBef>
-                        <a:spcAft>
-                          <a:spcPts val="0"/>
-                        </a:spcAft>
-                        <a:buNone/>
-                      </a:pPr>
-                      <a:endParaRPr/>
-                    </a:p>
-                  </a:txBody>
-                  <a:tcPr marL="91425" marR="91425" marT="91425" marB="91425">
-                    <a:lnL w="9525" cap="flat" cmpd="sng">
-                      <a:solidFill>
-                        <a:srgbClr val="9E9E9E"/>
-                      </a:solidFill>
-                      <a:prstDash val="solid"/>
-                      <a:round/>
-                      <a:headEnd type="none" w="sm" len="sm"/>
-                      <a:tailEnd type="none" w="sm" len="sm"/>
-                    </a:lnL>
-                    <a:lnR w="9525" cap="flat" cmpd="sng">
-                      <a:solidFill>
-                        <a:srgbClr val="9E9E9E"/>
-                      </a:solidFill>
-                      <a:prstDash val="solid"/>
-                      <a:round/>
-                      <a:headEnd type="none" w="sm" len="sm"/>
-                      <a:tailEnd type="none" w="sm" len="sm"/>
-                    </a:lnR>
-                    <a:lnT w="9525" cap="flat" cmpd="sng">
-                      <a:solidFill>
-                        <a:srgbClr val="9E9E9E"/>
-                      </a:solidFill>
-                      <a:prstDash val="solid"/>
-                      <a:round/>
-                      <a:headEnd type="none" w="sm" len="sm"/>
-                      <a:tailEnd type="none" w="sm" len="sm"/>
-                    </a:lnT>
-                    <a:lnB w="9525" cap="flat" cmpd="sng">
-                      <a:solidFill>
-                        <a:srgbClr val="9E9E9E"/>
-                      </a:solidFill>
-                      <a:prstDash val="solid"/>
-                      <a:round/>
-                      <a:headEnd type="none" w="sm" len="sm"/>
-                      <a:tailEnd type="none" w="sm" len="sm"/>
-                    </a:lnB>
-                  </a:tcPr>
-                </a:tc>
-                <a:tc>
-                  <a:txBody>
-                    <a:bodyPr/>
-                    <a:lstStyle/>
-                    <a:p>
-                      <a:pPr marL="0" lvl="0" indent="0" algn="l" rtl="0">
-                        <a:spcBef>
-                          <a:spcPts val="0"/>
-                        </a:spcBef>
-                        <a:spcAft>
-                          <a:spcPts val="0"/>
-                        </a:spcAft>
-                        <a:buNone/>
-                      </a:pPr>
-                      <a:endParaRPr/>
-                    </a:p>
-                  </a:txBody>
-                  <a:tcPr marL="91425" marR="91425" marT="91425" marB="91425">
-                    <a:lnL w="9525" cap="flat" cmpd="sng">
-                      <a:solidFill>
-                        <a:srgbClr val="9E9E9E"/>
-                      </a:solidFill>
-                      <a:prstDash val="solid"/>
-                      <a:round/>
-                      <a:headEnd type="none" w="sm" len="sm"/>
-                      <a:tailEnd type="none" w="sm" len="sm"/>
-                    </a:lnL>
-                    <a:lnR w="9525" cap="flat" cmpd="sng">
-                      <a:solidFill>
-                        <a:srgbClr val="9E9E9E"/>
-                      </a:solidFill>
-                      <a:prstDash val="solid"/>
-                      <a:round/>
-                      <a:headEnd type="none" w="sm" len="sm"/>
-                      <a:tailEnd type="none" w="sm" len="sm"/>
-                    </a:lnR>
-                    <a:lnT w="9525" cap="flat" cmpd="sng">
-                      <a:solidFill>
-                        <a:srgbClr val="9E9E9E"/>
-                      </a:solidFill>
-                      <a:prstDash val="solid"/>
-                      <a:round/>
-                      <a:headEnd type="none" w="sm" len="sm"/>
-                      <a:tailEnd type="none" w="sm" len="sm"/>
-                    </a:lnT>
-                    <a:lnB w="9525" cap="flat" cmpd="sng">
-                      <a:solidFill>
-                        <a:srgbClr val="9E9E9E"/>
-                      </a:solidFill>
-                      <a:prstDash val="solid"/>
-                      <a:round/>
-                      <a:headEnd type="none" w="sm" len="sm"/>
-                      <a:tailEnd type="none" w="sm" len="sm"/>
-                    </a:lnB>
-                  </a:tcPr>
-                </a:tc>
-                <a:tc>
-                  <a:txBody>
-                    <a:bodyPr/>
-                    <a:lstStyle/>
-                    <a:p>
-                      <a:pPr marL="0" lvl="0" indent="0" algn="l" rtl="0">
-                        <a:spcBef>
-                          <a:spcPts val="0"/>
-                        </a:spcBef>
-                        <a:spcAft>
-                          <a:spcPts val="0"/>
-                        </a:spcAft>
-                        <a:buNone/>
-                      </a:pPr>
-                      <a:endParaRPr/>
-                    </a:p>
-                  </a:txBody>
-                  <a:tcPr marL="91425" marR="91425" marT="91425" marB="91425">
-                    <a:lnL w="9525" cap="flat" cmpd="sng">
-                      <a:solidFill>
-                        <a:srgbClr val="9E9E9E"/>
-                      </a:solidFill>
-                      <a:prstDash val="solid"/>
-                      <a:round/>
-                      <a:headEnd type="none" w="sm" len="sm"/>
-                      <a:tailEnd type="none" w="sm" len="sm"/>
-                    </a:lnL>
-                    <a:lnR w="9525" cap="flat" cmpd="sng">
-                      <a:solidFill>
-                        <a:srgbClr val="9E9E9E"/>
-                      </a:solidFill>
-                      <a:prstDash val="solid"/>
-                      <a:round/>
-                      <a:headEnd type="none" w="sm" len="sm"/>
-                      <a:tailEnd type="none" w="sm" len="sm"/>
-                    </a:lnR>
-                    <a:lnT w="9525" cap="flat" cmpd="sng">
-                      <a:solidFill>
-                        <a:srgbClr val="9E9E9E"/>
-                      </a:solidFill>
-                      <a:prstDash val="solid"/>
-                      <a:round/>
-                      <a:headEnd type="none" w="sm" len="sm"/>
-                      <a:tailEnd type="none" w="sm" len="sm"/>
-                    </a:lnT>
-                    <a:lnB w="9525" cap="flat" cmpd="sng">
-                      <a:solidFill>
-                        <a:srgbClr val="9E9E9E"/>
-                      </a:solidFill>
-                      <a:prstDash val="solid"/>
-                      <a:round/>
-                      <a:headEnd type="none" w="sm" len="sm"/>
-                      <a:tailEnd type="none" w="sm" len="sm"/>
-                    </a:lnB>
-                  </a:tcPr>
-                </a:tc>
-                <a:tc>
-                  <a:txBody>
-                    <a:bodyPr/>
-                    <a:lstStyle/>
-                    <a:p>
                       <a:pPr marL="0" lvl="0" indent="0" algn="ctr" rtl="0">
                         <a:spcBef>
                           <a:spcPts val="0"/>
@@ -13800,7 +12916,7 @@
                 </a:tc>
                 <a:extLst>
                   <a:ext uri="{0D108BD9-81ED-4DB2-BD59-A6C34878D82A}">
-                    <a16:rowId xmlns:a16="http://schemas.microsoft.com/office/drawing/2014/main" val="10007"/>
+                    <a16:rowId xmlns:a16="http://schemas.microsoft.com/office/drawing/2014/main" val="10005"/>
                   </a:ext>
                 </a:extLst>
               </a:tr>
@@ -14512,14 +13628,14 @@
           <p:nvPr>
             <p:extLst>
               <p:ext uri="{D42A27DB-BD31-4B8C-83A1-F6EECF244321}">
-                <p14:modId xmlns:p14="http://schemas.microsoft.com/office/powerpoint/2010/main" val="1298936348"/>
+                <p14:modId xmlns:p14="http://schemas.microsoft.com/office/powerpoint/2010/main" val="4175877897"/>
               </p:ext>
             </p:extLst>
           </p:nvPr>
         </p:nvGraphicFramePr>
         <p:xfrm>
-          <a:off x="4483900" y="1779725"/>
-          <a:ext cx="4557850" cy="3169680"/>
+          <a:off x="4483900" y="1420498"/>
+          <a:ext cx="4207275" cy="3565890"/>
         </p:xfrm>
         <a:graphic>
           <a:graphicData uri="http://schemas.openxmlformats.org/drawingml/2006/table">
@@ -14529,42 +13645,35 @@
                 <a:tableStyleId>{D9783DC4-A9D2-433C-85FA-F0FB6AE63859}</a:tableStyleId>
               </a:tblPr>
               <a:tblGrid>
-                <a:gridCol w="350575">
-                  <a:extLst>
-                    <a:ext uri="{9D8B030D-6E8A-4147-A177-3AD203B41FA5}">
-                      <a16:colId xmlns:a16="http://schemas.microsoft.com/office/drawing/2014/main" val="20000"/>
-                    </a:ext>
-                  </a:extLst>
-                </a:gridCol>
-                <a:gridCol w="1179925">
+                <a:gridCol w="978496">
                   <a:extLst>
                     <a:ext uri="{9D8B030D-6E8A-4147-A177-3AD203B41FA5}">
                       <a16:colId xmlns:a16="http://schemas.microsoft.com/office/drawing/2014/main" val="20001"/>
                     </a:ext>
                   </a:extLst>
                 </a:gridCol>
-                <a:gridCol w="433050">
+                <a:gridCol w="497533">
                   <a:extLst>
                     <a:ext uri="{9D8B030D-6E8A-4147-A177-3AD203B41FA5}">
                       <a16:colId xmlns:a16="http://schemas.microsoft.com/office/drawing/2014/main" val="20002"/>
                     </a:ext>
                   </a:extLst>
                 </a:gridCol>
-                <a:gridCol w="950850">
+                <a:gridCol w="832757">
                   <a:extLst>
                     <a:ext uri="{9D8B030D-6E8A-4147-A177-3AD203B41FA5}">
                       <a16:colId xmlns:a16="http://schemas.microsoft.com/office/drawing/2014/main" val="20003"/>
                     </a:ext>
                   </a:extLst>
                 </a:gridCol>
-                <a:gridCol w="875150">
+                <a:gridCol w="889907">
                   <a:extLst>
                     <a:ext uri="{9D8B030D-6E8A-4147-A177-3AD203B41FA5}">
                       <a16:colId xmlns:a16="http://schemas.microsoft.com/office/drawing/2014/main" val="20004"/>
                     </a:ext>
                   </a:extLst>
                 </a:gridCol>
-                <a:gridCol w="384150">
+                <a:gridCol w="624432">
                   <a:extLst>
                     <a:ext uri="{9D8B030D-6E8A-4147-A177-3AD203B41FA5}">
                       <a16:colId xmlns:a16="http://schemas.microsoft.com/office/drawing/2014/main" val="20005"/>
@@ -14585,7 +13694,7 @@
                     <a:bodyPr/>
                     <a:lstStyle/>
                     <a:p>
-                      <a:pPr marL="0" lvl="0" indent="0" algn="l" rtl="0">
+                      <a:pPr marL="0" lvl="0" indent="0" algn="r" rtl="0">
                         <a:spcBef>
                           <a:spcPts val="0"/>
                         </a:spcBef>
@@ -14595,10 +13704,39 @@
                         <a:buNone/>
                       </a:pPr>
                       <a:r>
-                        <a:rPr lang="en"/>
-                        <a:t>v:</a:t>
+                        <a:rPr lang="en-US" dirty="0"/>
+                        <a:t>v</a:t>
                       </a:r>
-                      <a:endParaRPr/>
+                      <a:endParaRPr dirty="0"/>
+                    </a:p>
+                  </a:txBody>
+                  <a:tcPr marL="91425" marR="91425" marT="91425" marB="91425">
+                    <a:lnB w="9525" cap="flat" cmpd="sng" algn="ctr">
+                      <a:solidFill>
+                        <a:srgbClr val="9E9E9E"/>
+                      </a:solidFill>
+                      <a:prstDash val="solid"/>
+                      <a:round/>
+                      <a:headEnd type="none" w="sm" len="sm"/>
+                      <a:tailEnd type="none" w="sm" len="sm"/>
+                    </a:lnB>
+                  </a:tcPr>
+                </a:tc>
+                <a:tc>
+                  <a:txBody>
+                    <a:bodyPr/>
+                    <a:lstStyle/>
+                    <a:p>
+                      <a:pPr marL="0" lvl="0" indent="0" algn="ctr" rtl="0">
+                        <a:spcBef>
+                          <a:spcPts val="0"/>
+                        </a:spcBef>
+                        <a:spcAft>
+                          <a:spcPts val="0"/>
+                        </a:spcAft>
+                        <a:buNone/>
+                      </a:pPr>
+                      <a:endParaRPr dirty="0"/>
                     </a:p>
                   </a:txBody>
                   <a:tcPr marL="91425" marR="91425" marT="91425" marB="91425">
@@ -14613,6 +13751,186 @@
                     </a:lnB>
                   </a:tcPr>
                 </a:tc>
+                <a:tc>
+                  <a:txBody>
+                    <a:bodyPr/>
+                    <a:lstStyle/>
+                    <a:p>
+                      <a:pPr marL="0" lvl="0" indent="0" algn="r" rtl="0">
+                        <a:spcBef>
+                          <a:spcPts val="0"/>
+                        </a:spcBef>
+                        <a:spcAft>
+                          <a:spcPts val="0"/>
+                        </a:spcAft>
+                        <a:buNone/>
+                      </a:pPr>
+                      <a:r>
+                        <a:rPr lang="en-US" dirty="0"/>
+                        <a:t>v</a:t>
+                      </a:r>
+                      <a:endParaRPr dirty="0"/>
+                    </a:p>
+                  </a:txBody>
+                  <a:tcPr marL="91425" marR="91425" marT="91425" marB="91425">
+                    <a:lnB w="9525" cap="flat" cmpd="sng">
+                      <a:solidFill>
+                        <a:srgbClr val="9E9E9E"/>
+                      </a:solidFill>
+                      <a:prstDash val="solid"/>
+                      <a:round/>
+                      <a:headEnd type="none" w="sm" len="sm"/>
+                      <a:tailEnd type="none" w="sm" len="sm"/>
+                    </a:lnB>
+                  </a:tcPr>
+                </a:tc>
+                <a:tc>
+                  <a:txBody>
+                    <a:bodyPr/>
+                    <a:lstStyle/>
+                    <a:p>
+                      <a:pPr marL="0" lvl="0" indent="0" algn="ctr" rtl="0">
+                        <a:spcBef>
+                          <a:spcPts val="0"/>
+                        </a:spcBef>
+                        <a:spcAft>
+                          <a:spcPts val="0"/>
+                        </a:spcAft>
+                        <a:buNone/>
+                      </a:pPr>
+                      <a:r>
+                        <a:rPr lang="en-US" dirty="0"/>
+                        <a:t>base</a:t>
+                      </a:r>
+                      <a:endParaRPr dirty="0"/>
+                    </a:p>
+                  </a:txBody>
+                  <a:tcPr marL="91425" marR="91425" marT="91425" marB="91425">
+                    <a:lnR w="9525" cap="flat" cmpd="sng" algn="ctr">
+                      <a:solidFill>
+                        <a:srgbClr val="9E9E9E"/>
+                      </a:solidFill>
+                      <a:prstDash val="solid"/>
+                      <a:round/>
+                      <a:headEnd type="none" w="sm" len="sm"/>
+                      <a:tailEnd type="none" w="sm" len="sm"/>
+                    </a:lnR>
+                    <a:lnB w="9525" cap="flat" cmpd="sng">
+                      <a:solidFill>
+                        <a:srgbClr val="9E9E9E"/>
+                      </a:solidFill>
+                      <a:prstDash val="solid"/>
+                      <a:round/>
+                      <a:headEnd type="none" w="sm" len="sm"/>
+                      <a:tailEnd type="none" w="sm" len="sm"/>
+                    </a:lnB>
+                  </a:tcPr>
+                </a:tc>
+                <a:tc>
+                  <a:txBody>
+                    <a:bodyPr/>
+                    <a:lstStyle/>
+                    <a:p>
+                      <a:pPr marL="0" lvl="0" indent="0" algn="ctr" rtl="0">
+                        <a:spcBef>
+                          <a:spcPts val="0"/>
+                        </a:spcBef>
+                        <a:spcAft>
+                          <a:spcPts val="0"/>
+                        </a:spcAft>
+                        <a:buNone/>
+                      </a:pPr>
+                      <a:r>
+                        <a:rPr lang="en-US" dirty="0"/>
+                        <a:t>digit</a:t>
+                      </a:r>
+                      <a:endParaRPr dirty="0"/>
+                    </a:p>
+                  </a:txBody>
+                  <a:tcPr marL="91425" marR="91425" marT="91425" marB="91425">
+                    <a:lnL w="9525" cap="flat" cmpd="sng" algn="ctr">
+                      <a:solidFill>
+                        <a:srgbClr val="9E9E9E"/>
+                      </a:solidFill>
+                      <a:prstDash val="solid"/>
+                      <a:round/>
+                      <a:headEnd type="none" w="sm" len="sm"/>
+                      <a:tailEnd type="none" w="sm" len="sm"/>
+                    </a:lnL>
+                    <a:lnR w="9525" cap="flat" cmpd="sng" algn="ctr">
+                      <a:solidFill>
+                        <a:srgbClr val="9E9E9E"/>
+                      </a:solidFill>
+                      <a:prstDash val="solid"/>
+                      <a:round/>
+                      <a:headEnd type="none" w="sm" len="sm"/>
+                      <a:tailEnd type="none" w="sm" len="sm"/>
+                    </a:lnR>
+                    <a:lnT w="9525" cap="flat" cmpd="sng">
+                      <a:solidFill>
+                        <a:srgbClr val="9E9E9E"/>
+                      </a:solidFill>
+                      <a:prstDash val="solid"/>
+                      <a:round/>
+                      <a:headEnd type="none" w="sm" len="sm"/>
+                      <a:tailEnd type="none" w="sm" len="sm"/>
+                    </a:lnT>
+                    <a:lnB w="9525" cap="flat" cmpd="sng">
+                      <a:solidFill>
+                        <a:srgbClr val="9E9E9E"/>
+                      </a:solidFill>
+                      <a:prstDash val="solid"/>
+                      <a:round/>
+                      <a:headEnd type="none" w="sm" len="sm"/>
+                      <a:tailEnd type="none" w="sm" len="sm"/>
+                    </a:lnB>
+                  </a:tcPr>
+                </a:tc>
+                <a:tc>
+                  <a:txBody>
+                    <a:bodyPr/>
+                    <a:lstStyle/>
+                    <a:p>
+                      <a:pPr marL="0" lvl="0" indent="0" algn="ctr" rtl="0">
+                        <a:spcBef>
+                          <a:spcPts val="0"/>
+                        </a:spcBef>
+                        <a:spcAft>
+                          <a:spcPts val="0"/>
+                        </a:spcAft>
+                        <a:buNone/>
+                      </a:pPr>
+                      <a:endParaRPr dirty="0"/>
+                    </a:p>
+                  </a:txBody>
+                  <a:tcPr marL="91425" marR="91425" marT="91425" marB="91425">
+                    <a:lnL w="9525" cap="flat" cmpd="sng" algn="ctr">
+                      <a:solidFill>
+                        <a:srgbClr val="9E9E9E"/>
+                      </a:solidFill>
+                      <a:prstDash val="solid"/>
+                      <a:round/>
+                      <a:headEnd type="none" w="sm" len="sm"/>
+                      <a:tailEnd type="none" w="sm" len="sm"/>
+                    </a:lnL>
+                    <a:lnB w="9525" cap="flat" cmpd="sng">
+                      <a:solidFill>
+                        <a:srgbClr val="9E9E9E"/>
+                      </a:solidFill>
+                      <a:prstDash val="solid"/>
+                      <a:round/>
+                      <a:headEnd type="none" w="sm" len="sm"/>
+                      <a:tailEnd type="none" w="sm" len="sm"/>
+                    </a:lnB>
+                  </a:tcPr>
+                </a:tc>
+                <a:extLst>
+                  <a:ext uri="{0D108BD9-81ED-4DB2-BD59-A6C34878D82A}">
+                    <a16:rowId xmlns:a16="http://schemas.microsoft.com/office/drawing/2014/main" val="3534998730"/>
+                  </a:ext>
+                </a:extLst>
+              </a:tr>
+              <a:tr h="396200">
                 <a:tc>
                   <a:txBody>
                     <a:bodyPr/>
@@ -14635,7 +13953,16 @@
                     </a:p>
                   </a:txBody>
                   <a:tcPr marL="91425" marR="91425" marT="91425" marB="91425">
-                    <a:lnB w="9525" cap="flat" cmpd="sng">
+                    <a:lnT w="9525" cap="flat" cmpd="sng" algn="ctr">
+                      <a:solidFill>
+                        <a:srgbClr val="9E9E9E"/>
+                      </a:solidFill>
+                      <a:prstDash val="solid"/>
+                      <a:round/>
+                      <a:headEnd type="none" w="sm" len="sm"/>
+                      <a:tailEnd type="none" w="sm" len="sm"/>
+                    </a:lnT>
+                    <a:lnB w="9525" cap="flat" cmpd="sng" algn="ctr">
                       <a:solidFill>
                         <a:srgbClr val="9E9E9E"/>
                       </a:solidFill>
@@ -14668,6 +13995,15 @@
                     </a:p>
                   </a:txBody>
                   <a:tcPr marL="91425" marR="91425" marT="91425" marB="91425">
+                    <a:lnT w="9525" cap="flat" cmpd="sng" algn="ctr">
+                      <a:solidFill>
+                        <a:srgbClr val="9E9E9E"/>
+                      </a:solidFill>
+                      <a:prstDash val="solid"/>
+                      <a:round/>
+                      <a:headEnd type="none" w="sm" len="sm"/>
+                      <a:tailEnd type="none" w="sm" len="sm"/>
+                    </a:lnT>
                     <a:lnB w="9525" cap="flat" cmpd="sng">
                       <a:solidFill>
                         <a:srgbClr val="9E9E9E"/>
@@ -14701,6 +14037,15 @@
                     </a:p>
                   </a:txBody>
                   <a:tcPr marL="91425" marR="91425" marT="91425" marB="91425">
+                    <a:lnT w="9525" cap="flat" cmpd="sng" algn="ctr">
+                      <a:solidFill>
+                        <a:srgbClr val="9E9E9E"/>
+                      </a:solidFill>
+                      <a:prstDash val="solid"/>
+                      <a:round/>
+                      <a:headEnd type="none" w="sm" len="sm"/>
+                      <a:tailEnd type="none" w="sm" len="sm"/>
+                    </a:lnT>
                     <a:lnB w="9525" cap="flat" cmpd="sng">
                       <a:solidFill>
                         <a:srgbClr val="9E9E9E"/>
@@ -14743,6 +14088,15 @@
                       <a:headEnd type="none" w="sm" len="sm"/>
                       <a:tailEnd type="none" w="sm" len="sm"/>
                     </a:lnR>
+                    <a:lnT w="9525" cap="flat" cmpd="sng" algn="ctr">
+                      <a:solidFill>
+                        <a:srgbClr val="9E9E9E"/>
+                      </a:solidFill>
+                      <a:prstDash val="solid"/>
+                      <a:round/>
+                      <a:headEnd type="none" w="sm" len="sm"/>
+                      <a:tailEnd type="none" w="sm" len="sm"/>
+                    </a:lnT>
                     <a:lnB w="9525" cap="flat" cmpd="sng">
                       <a:solidFill>
                         <a:srgbClr val="9E9E9E"/>
@@ -14794,7 +14148,7 @@
                       <a:headEnd type="none" w="sm" len="sm"/>
                       <a:tailEnd type="none" w="sm" len="sm"/>
                     </a:lnR>
-                    <a:lnT w="9525" cap="flat" cmpd="sng">
+                    <a:lnT w="9525" cap="flat" cmpd="sng" algn="ctr">
                       <a:solidFill>
                         <a:srgbClr val="9E9E9E"/>
                       </a:solidFill>
@@ -14845,6 +14199,15 @@
                       <a:headEnd type="none" w="sm" len="sm"/>
                       <a:tailEnd type="none" w="sm" len="sm"/>
                     </a:lnL>
+                    <a:lnT w="9525" cap="flat" cmpd="sng" algn="ctr">
+                      <a:solidFill>
+                        <a:srgbClr val="9E9E9E"/>
+                      </a:solidFill>
+                      <a:prstDash val="solid"/>
+                      <a:round/>
+                      <a:headEnd type="none" w="sm" len="sm"/>
+                      <a:tailEnd type="none" w="sm" len="sm"/>
+                    </a:lnT>
                     <a:lnB w="9525" cap="flat" cmpd="sng">
                       <a:solidFill>
                         <a:srgbClr val="9E9E9E"/>
@@ -14868,66 +14231,6 @@
                     <a:bodyPr/>
                     <a:lstStyle/>
                     <a:p>
-                      <a:pPr marL="0" lvl="0" indent="0" algn="l" rtl="0">
-                        <a:spcBef>
-                          <a:spcPts val="0"/>
-                        </a:spcBef>
-                        <a:spcAft>
-                          <a:spcPts val="0"/>
-                        </a:spcAft>
-                        <a:buNone/>
-                      </a:pPr>
-                      <a:r>
-                        <a:rPr lang="en"/>
-                        <a:t>v:</a:t>
-                      </a:r>
-                      <a:endParaRPr/>
-                    </a:p>
-                  </a:txBody>
-                  <a:tcPr marL="91425" marR="91425" marT="91425" marB="91425">
-                    <a:lnL w="9525" cap="flat" cmpd="sng">
-                      <a:solidFill>
-                        <a:srgbClr val="9E9E9E"/>
-                      </a:solidFill>
-                      <a:prstDash val="solid"/>
-                      <a:round/>
-                      <a:headEnd type="none" w="sm" len="sm"/>
-                      <a:tailEnd type="none" w="sm" len="sm"/>
-                    </a:lnL>
-                    <a:lnR w="9525" cap="flat" cmpd="sng">
-                      <a:solidFill>
-                        <a:srgbClr val="9E9E9E"/>
-                      </a:solidFill>
-                      <a:prstDash val="solid"/>
-                      <a:round/>
-                      <a:headEnd type="none" w="sm" len="sm"/>
-                      <a:tailEnd type="none" w="sm" len="sm"/>
-                    </a:lnR>
-                    <a:lnT w="9525" cap="flat" cmpd="sng">
-                      <a:solidFill>
-                        <a:srgbClr val="9E9E9E"/>
-                      </a:solidFill>
-                      <a:prstDash val="solid"/>
-                      <a:round/>
-                      <a:headEnd type="none" w="sm" len="sm"/>
-                      <a:tailEnd type="none" w="sm" len="sm"/>
-                    </a:lnT>
-                    <a:lnB w="9525" cap="flat" cmpd="sng">
-                      <a:solidFill>
-                        <a:srgbClr val="9E9E9E"/>
-                      </a:solidFill>
-                      <a:prstDash val="solid"/>
-                      <a:round/>
-                      <a:headEnd type="none" w="sm" len="sm"/>
-                      <a:tailEnd type="none" w="sm" len="sm"/>
-                    </a:lnB>
-                  </a:tcPr>
-                </a:tc>
-                <a:tc>
-                  <a:txBody>
-                    <a:bodyPr/>
-                    <a:lstStyle/>
-                    <a:p>
                       <a:pPr marL="0" lvl="0" indent="0" algn="r" rtl="0">
                         <a:spcBef>
                           <a:spcPts val="0"/>
@@ -14963,7 +14266,7 @@
                       <a:headEnd type="none" w="sm" len="sm"/>
                       <a:tailEnd type="none" w="sm" len="sm"/>
                     </a:lnR>
-                    <a:lnT w="9525" cap="flat" cmpd="sng">
+                    <a:lnT w="9525" cap="flat" cmpd="sng" algn="ctr">
                       <a:solidFill>
                         <a:srgbClr val="9E9E9E"/>
                       </a:solidFill>
@@ -14972,7 +14275,7 @@
                       <a:headEnd type="none" w="sm" len="sm"/>
                       <a:tailEnd type="none" w="sm" len="sm"/>
                     </a:lnT>
-                    <a:lnB w="9525" cap="flat" cmpd="sng">
+                    <a:lnB w="9525" cap="flat" cmpd="sng" algn="ctr">
                       <a:solidFill>
                         <a:srgbClr val="9E9E9E"/>
                       </a:solidFill>
@@ -15295,66 +14598,6 @@
                     <a:bodyPr/>
                     <a:lstStyle/>
                     <a:p>
-                      <a:pPr marL="0" lvl="0" indent="0" algn="l" rtl="0">
-                        <a:spcBef>
-                          <a:spcPts val="0"/>
-                        </a:spcBef>
-                        <a:spcAft>
-                          <a:spcPts val="0"/>
-                        </a:spcAft>
-                        <a:buNone/>
-                      </a:pPr>
-                      <a:r>
-                        <a:rPr lang="en"/>
-                        <a:t>v:</a:t>
-                      </a:r>
-                      <a:endParaRPr/>
-                    </a:p>
-                  </a:txBody>
-                  <a:tcPr marL="91425" marR="91425" marT="91425" marB="91425">
-                    <a:lnL w="9525" cap="flat" cmpd="sng">
-                      <a:solidFill>
-                        <a:srgbClr val="9E9E9E"/>
-                      </a:solidFill>
-                      <a:prstDash val="solid"/>
-                      <a:round/>
-                      <a:headEnd type="none" w="sm" len="sm"/>
-                      <a:tailEnd type="none" w="sm" len="sm"/>
-                    </a:lnL>
-                    <a:lnR w="9525" cap="flat" cmpd="sng">
-                      <a:solidFill>
-                        <a:srgbClr val="9E9E9E"/>
-                      </a:solidFill>
-                      <a:prstDash val="solid"/>
-                      <a:round/>
-                      <a:headEnd type="none" w="sm" len="sm"/>
-                      <a:tailEnd type="none" w="sm" len="sm"/>
-                    </a:lnR>
-                    <a:lnT w="9525" cap="flat" cmpd="sng">
-                      <a:solidFill>
-                        <a:srgbClr val="9E9E9E"/>
-                      </a:solidFill>
-                      <a:prstDash val="solid"/>
-                      <a:round/>
-                      <a:headEnd type="none" w="sm" len="sm"/>
-                      <a:tailEnd type="none" w="sm" len="sm"/>
-                    </a:lnT>
-                    <a:lnB w="9525" cap="flat" cmpd="sng">
-                      <a:solidFill>
-                        <a:srgbClr val="9E9E9E"/>
-                      </a:solidFill>
-                      <a:prstDash val="solid"/>
-                      <a:round/>
-                      <a:headEnd type="none" w="sm" len="sm"/>
-                      <a:tailEnd type="none" w="sm" len="sm"/>
-                    </a:lnB>
-                  </a:tcPr>
-                </a:tc>
-                <a:tc>
-                  <a:txBody>
-                    <a:bodyPr/>
-                    <a:lstStyle/>
-                    <a:p>
                       <a:pPr marL="0" lvl="0" indent="0" algn="r" rtl="0">
                         <a:spcBef>
                           <a:spcPts val="0"/>
@@ -15390,7 +14633,7 @@
                       <a:headEnd type="none" w="sm" len="sm"/>
                       <a:tailEnd type="none" w="sm" len="sm"/>
                     </a:lnR>
-                    <a:lnT w="9525" cap="flat" cmpd="sng">
+                    <a:lnT w="9525" cap="flat" cmpd="sng" algn="ctr">
                       <a:solidFill>
                         <a:srgbClr val="9E9E9E"/>
                       </a:solidFill>
@@ -15399,7 +14642,7 @@
                       <a:headEnd type="none" w="sm" len="sm"/>
                       <a:tailEnd type="none" w="sm" len="sm"/>
                     </a:lnT>
-                    <a:lnB w="9525" cap="flat" cmpd="sng">
+                    <a:lnB w="9525" cap="flat" cmpd="sng" algn="ctr">
                       <a:solidFill>
                         <a:srgbClr val="9E9E9E"/>
                       </a:solidFill>
@@ -15731,62 +14974,6 @@
                     <a:bodyPr/>
                     <a:lstStyle/>
                     <a:p>
-                      <a:pPr marL="0" lvl="0" indent="0" algn="l" rtl="0">
-                        <a:spcBef>
-                          <a:spcPts val="0"/>
-                        </a:spcBef>
-                        <a:spcAft>
-                          <a:spcPts val="0"/>
-                        </a:spcAft>
-                        <a:buNone/>
-                      </a:pPr>
-                      <a:endParaRPr/>
-                    </a:p>
-                  </a:txBody>
-                  <a:tcPr marL="91425" marR="91425" marT="91425" marB="91425">
-                    <a:lnL w="9525" cap="flat" cmpd="sng">
-                      <a:solidFill>
-                        <a:srgbClr val="9E9E9E"/>
-                      </a:solidFill>
-                      <a:prstDash val="solid"/>
-                      <a:round/>
-                      <a:headEnd type="none" w="sm" len="sm"/>
-                      <a:tailEnd type="none" w="sm" len="sm"/>
-                    </a:lnL>
-                    <a:lnR w="9525" cap="flat" cmpd="sng">
-                      <a:solidFill>
-                        <a:srgbClr val="9E9E9E"/>
-                      </a:solidFill>
-                      <a:prstDash val="solid"/>
-                      <a:round/>
-                      <a:headEnd type="none" w="sm" len="sm"/>
-                      <a:tailEnd type="none" w="sm" len="sm"/>
-                    </a:lnR>
-                    <a:lnT w="9525" cap="flat" cmpd="sng">
-                      <a:solidFill>
-                        <a:srgbClr val="9E9E9E"/>
-                      </a:solidFill>
-                      <a:prstDash val="solid"/>
-                      <a:round/>
-                      <a:headEnd type="none" w="sm" len="sm"/>
-                      <a:tailEnd type="none" w="sm" len="sm"/>
-                    </a:lnT>
-                    <a:lnB w="9525" cap="flat" cmpd="sng">
-                      <a:solidFill>
-                        <a:srgbClr val="9E9E9E"/>
-                      </a:solidFill>
-                      <a:prstDash val="solid"/>
-                      <a:round/>
-                      <a:headEnd type="none" w="sm" len="sm"/>
-                      <a:tailEnd type="none" w="sm" len="sm"/>
-                    </a:lnB>
-                  </a:tcPr>
-                </a:tc>
-                <a:tc>
-                  <a:txBody>
-                    <a:bodyPr/>
-                    <a:lstStyle/>
-                    <a:p>
                       <a:pPr marL="0" lvl="0" indent="0" algn="r" rtl="0">
                         <a:spcBef>
                           <a:spcPts val="0"/>
@@ -15822,7 +15009,7 @@
                       <a:headEnd type="none" w="sm" len="sm"/>
                       <a:tailEnd type="none" w="sm" len="sm"/>
                     </a:lnR>
-                    <a:lnT w="9525" cap="flat" cmpd="sng">
+                    <a:lnT w="9525" cap="flat" cmpd="sng" algn="ctr">
                       <a:solidFill>
                         <a:srgbClr val="9E9E9E"/>
                       </a:solidFill>
@@ -15831,7 +15018,7 @@
                       <a:headEnd type="none" w="sm" len="sm"/>
                       <a:tailEnd type="none" w="sm" len="sm"/>
                     </a:lnT>
-                    <a:lnB w="9525" cap="flat" cmpd="sng">
+                    <a:lnB w="9525" cap="flat" cmpd="sng" algn="ctr">
                       <a:solidFill>
                         <a:srgbClr val="9E9E9E"/>
                       </a:solidFill>
@@ -16154,62 +15341,6 @@
                     <a:bodyPr/>
                     <a:lstStyle/>
                     <a:p>
-                      <a:pPr marL="0" lvl="0" indent="0" algn="l" rtl="0">
-                        <a:spcBef>
-                          <a:spcPts val="0"/>
-                        </a:spcBef>
-                        <a:spcAft>
-                          <a:spcPts val="0"/>
-                        </a:spcAft>
-                        <a:buNone/>
-                      </a:pPr>
-                      <a:endParaRPr/>
-                    </a:p>
-                  </a:txBody>
-                  <a:tcPr marL="91425" marR="91425" marT="91425" marB="91425">
-                    <a:lnL w="9525" cap="flat" cmpd="sng">
-                      <a:solidFill>
-                        <a:srgbClr val="9E9E9E"/>
-                      </a:solidFill>
-                      <a:prstDash val="solid"/>
-                      <a:round/>
-                      <a:headEnd type="none" w="sm" len="sm"/>
-                      <a:tailEnd type="none" w="sm" len="sm"/>
-                    </a:lnL>
-                    <a:lnR w="9525" cap="flat" cmpd="sng">
-                      <a:solidFill>
-                        <a:srgbClr val="9E9E9E"/>
-                      </a:solidFill>
-                      <a:prstDash val="solid"/>
-                      <a:round/>
-                      <a:headEnd type="none" w="sm" len="sm"/>
-                      <a:tailEnd type="none" w="sm" len="sm"/>
-                    </a:lnR>
-                    <a:lnT w="9525" cap="flat" cmpd="sng">
-                      <a:solidFill>
-                        <a:srgbClr val="9E9E9E"/>
-                      </a:solidFill>
-                      <a:prstDash val="solid"/>
-                      <a:round/>
-                      <a:headEnd type="none" w="sm" len="sm"/>
-                      <a:tailEnd type="none" w="sm" len="sm"/>
-                    </a:lnT>
-                    <a:lnB w="9525" cap="flat" cmpd="sng">
-                      <a:solidFill>
-                        <a:srgbClr val="9E9E9E"/>
-                      </a:solidFill>
-                      <a:prstDash val="solid"/>
-                      <a:round/>
-                      <a:headEnd type="none" w="sm" len="sm"/>
-                      <a:tailEnd type="none" w="sm" len="sm"/>
-                    </a:lnB>
-                  </a:tcPr>
-                </a:tc>
-                <a:tc>
-                  <a:txBody>
-                    <a:bodyPr/>
-                    <a:lstStyle/>
-                    <a:p>
                       <a:pPr marL="0" lvl="0" indent="0" algn="r" rtl="0">
                         <a:spcBef>
                           <a:spcPts val="0"/>
@@ -16245,7 +15376,7 @@
                       <a:headEnd type="none" w="sm" len="sm"/>
                       <a:tailEnd type="none" w="sm" len="sm"/>
                     </a:lnR>
-                    <a:lnT w="9525" cap="flat" cmpd="sng">
+                    <a:lnT w="9525" cap="flat" cmpd="sng" algn="ctr">
                       <a:solidFill>
                         <a:srgbClr val="9E9E9E"/>
                       </a:solidFill>
@@ -16254,7 +15385,7 @@
                       <a:headEnd type="none" w="sm" len="sm"/>
                       <a:tailEnd type="none" w="sm" len="sm"/>
                     </a:lnT>
-                    <a:lnB w="9525" cap="flat" cmpd="sng">
+                    <a:lnB w="9525" cap="flat" cmpd="sng" algn="ctr">
                       <a:solidFill>
                         <a:srgbClr val="9E9E9E"/>
                       </a:solidFill>
@@ -16577,62 +15708,6 @@
                     <a:bodyPr/>
                     <a:lstStyle/>
                     <a:p>
-                      <a:pPr marL="0" lvl="0" indent="0" algn="l" rtl="0">
-                        <a:spcBef>
-                          <a:spcPts val="0"/>
-                        </a:spcBef>
-                        <a:spcAft>
-                          <a:spcPts val="0"/>
-                        </a:spcAft>
-                        <a:buNone/>
-                      </a:pPr>
-                      <a:endParaRPr/>
-                    </a:p>
-                  </a:txBody>
-                  <a:tcPr marL="91425" marR="91425" marT="91425" marB="91425">
-                    <a:lnL w="9525" cap="flat" cmpd="sng">
-                      <a:solidFill>
-                        <a:srgbClr val="9E9E9E"/>
-                      </a:solidFill>
-                      <a:prstDash val="solid"/>
-                      <a:round/>
-                      <a:headEnd type="none" w="sm" len="sm"/>
-                      <a:tailEnd type="none" w="sm" len="sm"/>
-                    </a:lnL>
-                    <a:lnR w="9525" cap="flat" cmpd="sng">
-                      <a:solidFill>
-                        <a:srgbClr val="9E9E9E"/>
-                      </a:solidFill>
-                      <a:prstDash val="solid"/>
-                      <a:round/>
-                      <a:headEnd type="none" w="sm" len="sm"/>
-                      <a:tailEnd type="none" w="sm" len="sm"/>
-                    </a:lnR>
-                    <a:lnT w="9525" cap="flat" cmpd="sng">
-                      <a:solidFill>
-                        <a:srgbClr val="9E9E9E"/>
-                      </a:solidFill>
-                      <a:prstDash val="solid"/>
-                      <a:round/>
-                      <a:headEnd type="none" w="sm" len="sm"/>
-                      <a:tailEnd type="none" w="sm" len="sm"/>
-                    </a:lnT>
-                    <a:lnB w="9525" cap="flat" cmpd="sng">
-                      <a:solidFill>
-                        <a:srgbClr val="9E9E9E"/>
-                      </a:solidFill>
-                      <a:prstDash val="solid"/>
-                      <a:round/>
-                      <a:headEnd type="none" w="sm" len="sm"/>
-                      <a:tailEnd type="none" w="sm" len="sm"/>
-                    </a:lnB>
-                  </a:tcPr>
-                </a:tc>
-                <a:tc>
-                  <a:txBody>
-                    <a:bodyPr/>
-                    <a:lstStyle/>
-                    <a:p>
                       <a:pPr marL="0" lvl="0" indent="0" algn="r" rtl="0">
                         <a:spcBef>
                           <a:spcPts val="0"/>
@@ -16668,7 +15743,7 @@
                       <a:headEnd type="none" w="sm" len="sm"/>
                       <a:tailEnd type="none" w="sm" len="sm"/>
                     </a:lnR>
-                    <a:lnT w="9525" cap="flat" cmpd="sng">
+                    <a:lnT w="9525" cap="flat" cmpd="sng" algn="ctr">
                       <a:solidFill>
                         <a:srgbClr val="9E9E9E"/>
                       </a:solidFill>
@@ -16677,7 +15752,7 @@
                       <a:headEnd type="none" w="sm" len="sm"/>
                       <a:tailEnd type="none" w="sm" len="sm"/>
                     </a:lnT>
-                    <a:lnB w="9525" cap="flat" cmpd="sng">
+                    <a:lnB w="9525" cap="flat" cmpd="sng" algn="ctr">
                       <a:solidFill>
                         <a:srgbClr val="9E9E9E"/>
                       </a:solidFill>
@@ -17000,62 +16075,6 @@
                     <a:bodyPr/>
                     <a:lstStyle/>
                     <a:p>
-                      <a:pPr marL="0" lvl="0" indent="0" algn="l" rtl="0">
-                        <a:spcBef>
-                          <a:spcPts val="0"/>
-                        </a:spcBef>
-                        <a:spcAft>
-                          <a:spcPts val="0"/>
-                        </a:spcAft>
-                        <a:buNone/>
-                      </a:pPr>
-                      <a:endParaRPr/>
-                    </a:p>
-                  </a:txBody>
-                  <a:tcPr marL="91425" marR="91425" marT="91425" marB="91425">
-                    <a:lnL w="9525" cap="flat" cmpd="sng">
-                      <a:solidFill>
-                        <a:srgbClr val="9E9E9E"/>
-                      </a:solidFill>
-                      <a:prstDash val="solid"/>
-                      <a:round/>
-                      <a:headEnd type="none" w="sm" len="sm"/>
-                      <a:tailEnd type="none" w="sm" len="sm"/>
-                    </a:lnL>
-                    <a:lnR w="9525" cap="flat" cmpd="sng">
-                      <a:solidFill>
-                        <a:srgbClr val="9E9E9E"/>
-                      </a:solidFill>
-                      <a:prstDash val="solid"/>
-                      <a:round/>
-                      <a:headEnd type="none" w="sm" len="sm"/>
-                      <a:tailEnd type="none" w="sm" len="sm"/>
-                    </a:lnR>
-                    <a:lnT w="9525" cap="flat" cmpd="sng">
-                      <a:solidFill>
-                        <a:srgbClr val="9E9E9E"/>
-                      </a:solidFill>
-                      <a:prstDash val="solid"/>
-                      <a:round/>
-                      <a:headEnd type="none" w="sm" len="sm"/>
-                      <a:tailEnd type="none" w="sm" len="sm"/>
-                    </a:lnT>
-                    <a:lnB w="9525" cap="flat" cmpd="sng">
-                      <a:solidFill>
-                        <a:srgbClr val="9E9E9E"/>
-                      </a:solidFill>
-                      <a:prstDash val="solid"/>
-                      <a:round/>
-                      <a:headEnd type="none" w="sm" len="sm"/>
-                      <a:tailEnd type="none" w="sm" len="sm"/>
-                    </a:lnB>
-                  </a:tcPr>
-                </a:tc>
-                <a:tc>
-                  <a:txBody>
-                    <a:bodyPr/>
-                    <a:lstStyle/>
-                    <a:p>
                       <a:pPr marL="0" lvl="0" indent="0" algn="r" rtl="0">
                         <a:spcBef>
                           <a:spcPts val="0"/>
@@ -17091,7 +16110,7 @@
                       <a:headEnd type="none" w="sm" len="sm"/>
                       <a:tailEnd type="none" w="sm" len="sm"/>
                     </a:lnR>
-                    <a:lnT w="9525" cap="flat" cmpd="sng">
+                    <a:lnT w="9525" cap="flat" cmpd="sng" algn="ctr">
                       <a:solidFill>
                         <a:srgbClr val="9E9E9E"/>
                       </a:solidFill>
@@ -17100,7 +16119,7 @@
                       <a:headEnd type="none" w="sm" len="sm"/>
                       <a:tailEnd type="none" w="sm" len="sm"/>
                     </a:lnT>
-                    <a:lnB w="9525" cap="flat" cmpd="sng">
+                    <a:lnB w="9525" cap="flat" cmpd="sng" algn="ctr">
                       <a:solidFill>
                         <a:srgbClr val="9E9E9E"/>
                       </a:solidFill>
@@ -17423,62 +16442,6 @@
                     <a:bodyPr/>
                     <a:lstStyle/>
                     <a:p>
-                      <a:pPr marL="0" lvl="0" indent="0" algn="l" rtl="0">
-                        <a:spcBef>
-                          <a:spcPts val="0"/>
-                        </a:spcBef>
-                        <a:spcAft>
-                          <a:spcPts val="0"/>
-                        </a:spcAft>
-                        <a:buNone/>
-                      </a:pPr>
-                      <a:endParaRPr/>
-                    </a:p>
-                  </a:txBody>
-                  <a:tcPr marL="91425" marR="91425" marT="91425" marB="91425">
-                    <a:lnL w="9525" cap="flat" cmpd="sng">
-                      <a:solidFill>
-                        <a:srgbClr val="9E9E9E"/>
-                      </a:solidFill>
-                      <a:prstDash val="solid"/>
-                      <a:round/>
-                      <a:headEnd type="none" w="sm" len="sm"/>
-                      <a:tailEnd type="none" w="sm" len="sm"/>
-                    </a:lnL>
-                    <a:lnR w="9525" cap="flat" cmpd="sng">
-                      <a:solidFill>
-                        <a:srgbClr val="9E9E9E"/>
-                      </a:solidFill>
-                      <a:prstDash val="solid"/>
-                      <a:round/>
-                      <a:headEnd type="none" w="sm" len="sm"/>
-                      <a:tailEnd type="none" w="sm" len="sm"/>
-                    </a:lnR>
-                    <a:lnT w="9525" cap="flat" cmpd="sng">
-                      <a:solidFill>
-                        <a:srgbClr val="9E9E9E"/>
-                      </a:solidFill>
-                      <a:prstDash val="solid"/>
-                      <a:round/>
-                      <a:headEnd type="none" w="sm" len="sm"/>
-                      <a:tailEnd type="none" w="sm" len="sm"/>
-                    </a:lnT>
-                    <a:lnB w="9525" cap="flat" cmpd="sng">
-                      <a:solidFill>
-                        <a:srgbClr val="9E9E9E"/>
-                      </a:solidFill>
-                      <a:prstDash val="solid"/>
-                      <a:round/>
-                      <a:headEnd type="none" w="sm" len="sm"/>
-                      <a:tailEnd type="none" w="sm" len="sm"/>
-                    </a:lnB>
-                  </a:tcPr>
-                </a:tc>
-                <a:tc>
-                  <a:txBody>
-                    <a:bodyPr/>
-                    <a:lstStyle/>
-                    <a:p>
                       <a:pPr marL="0" lvl="0" indent="0" algn="r" rtl="0">
                         <a:spcBef>
                           <a:spcPts val="0"/>
@@ -17514,7 +16477,7 @@
                       <a:headEnd type="none" w="sm" len="sm"/>
                       <a:tailEnd type="none" w="sm" len="sm"/>
                     </a:lnR>
-                    <a:lnT w="9525" cap="flat" cmpd="sng">
+                    <a:lnT w="9525" cap="flat" cmpd="sng" algn="ctr">
                       <a:solidFill>
                         <a:srgbClr val="9E9E9E"/>
                       </a:solidFill>
@@ -18557,14 +17520,14 @@
           <p:nvPr>
             <p:extLst>
               <p:ext uri="{D42A27DB-BD31-4B8C-83A1-F6EECF244321}">
-                <p14:modId xmlns:p14="http://schemas.microsoft.com/office/powerpoint/2010/main" val="3518153478"/>
+                <p14:modId xmlns:p14="http://schemas.microsoft.com/office/powerpoint/2010/main" val="4205636142"/>
               </p:ext>
             </p:extLst>
           </p:nvPr>
         </p:nvGraphicFramePr>
         <p:xfrm>
           <a:off x="4483900" y="1442450"/>
-          <a:ext cx="4557850" cy="3169680"/>
+          <a:ext cx="4207275" cy="3565890"/>
         </p:xfrm>
         <a:graphic>
           <a:graphicData uri="http://schemas.openxmlformats.org/drawingml/2006/table">
@@ -18574,42 +17537,35 @@
                 <a:tableStyleId>{D9783DC4-A9D2-433C-85FA-F0FB6AE63859}</a:tableStyleId>
               </a:tblPr>
               <a:tblGrid>
-                <a:gridCol w="350575">
-                  <a:extLst>
-                    <a:ext uri="{9D8B030D-6E8A-4147-A177-3AD203B41FA5}">
-                      <a16:colId xmlns:a16="http://schemas.microsoft.com/office/drawing/2014/main" val="20000"/>
-                    </a:ext>
-                  </a:extLst>
-                </a:gridCol>
-                <a:gridCol w="1179925">
+                <a:gridCol w="929021">
                   <a:extLst>
                     <a:ext uri="{9D8B030D-6E8A-4147-A177-3AD203B41FA5}">
                       <a16:colId xmlns:a16="http://schemas.microsoft.com/office/drawing/2014/main" val="20001"/>
                     </a:ext>
                   </a:extLst>
                 </a:gridCol>
-                <a:gridCol w="433050">
+                <a:gridCol w="465365">
                   <a:extLst>
                     <a:ext uri="{9D8B030D-6E8A-4147-A177-3AD203B41FA5}">
                       <a16:colId xmlns:a16="http://schemas.microsoft.com/office/drawing/2014/main" val="20002"/>
                     </a:ext>
                   </a:extLst>
                 </a:gridCol>
-                <a:gridCol w="950850">
+                <a:gridCol w="971550">
                   <a:extLst>
                     <a:ext uri="{9D8B030D-6E8A-4147-A177-3AD203B41FA5}">
                       <a16:colId xmlns:a16="http://schemas.microsoft.com/office/drawing/2014/main" val="20003"/>
                     </a:ext>
                   </a:extLst>
                 </a:gridCol>
-                <a:gridCol w="875150">
+                <a:gridCol w="881743">
                   <a:extLst>
                     <a:ext uri="{9D8B030D-6E8A-4147-A177-3AD203B41FA5}">
                       <a16:colId xmlns:a16="http://schemas.microsoft.com/office/drawing/2014/main" val="20004"/>
                     </a:ext>
                   </a:extLst>
                 </a:gridCol>
-                <a:gridCol w="384150">
+                <a:gridCol w="575446">
                   <a:extLst>
                     <a:ext uri="{9D8B030D-6E8A-4147-A177-3AD203B41FA5}">
                       <a16:colId xmlns:a16="http://schemas.microsoft.com/office/drawing/2014/main" val="20005"/>
@@ -18630,7 +17586,7 @@
                     <a:bodyPr/>
                     <a:lstStyle/>
                     <a:p>
-                      <a:pPr marL="0" lvl="0" indent="0" algn="l" rtl="0">
+                      <a:pPr marL="0" lvl="0" indent="0" algn="ctr" rtl="0">
                         <a:spcBef>
                           <a:spcPts val="0"/>
                         </a:spcBef>
@@ -18640,14 +17596,14 @@
                         <a:buNone/>
                       </a:pPr>
                       <a:r>
-                        <a:rPr lang="en"/>
-                        <a:t>v:</a:t>
+                        <a:rPr lang="en-US" dirty="0"/>
+                        <a:t>v</a:t>
                       </a:r>
-                      <a:endParaRPr/>
+                      <a:endParaRPr dirty="0"/>
                     </a:p>
                   </a:txBody>
                   <a:tcPr marL="91425" marR="91425" marT="91425" marB="91425">
-                    <a:lnB w="9525" cap="flat" cmpd="sng">
+                    <a:lnB w="9525" cap="flat" cmpd="sng" algn="ctr">
                       <a:solidFill>
                         <a:srgbClr val="9E9E9E"/>
                       </a:solidFill>
@@ -18663,7 +17619,36 @@
                     <a:bodyPr/>
                     <a:lstStyle/>
                     <a:p>
-                      <a:pPr marL="0" lvl="0" indent="0" algn="l" rtl="0">
+                      <a:pPr marL="0" lvl="0" indent="0" algn="ctr" rtl="0">
+                        <a:spcBef>
+                          <a:spcPts val="0"/>
+                        </a:spcBef>
+                        <a:spcAft>
+                          <a:spcPts val="0"/>
+                        </a:spcAft>
+                        <a:buNone/>
+                      </a:pPr>
+                      <a:endParaRPr dirty="0"/>
+                    </a:p>
+                  </a:txBody>
+                  <a:tcPr marL="91425" marR="91425" marT="91425" marB="91425">
+                    <a:lnB w="9525" cap="flat" cmpd="sng">
+                      <a:solidFill>
+                        <a:srgbClr val="9E9E9E"/>
+                      </a:solidFill>
+                      <a:prstDash val="solid"/>
+                      <a:round/>
+                      <a:headEnd type="none" w="sm" len="sm"/>
+                      <a:tailEnd type="none" w="sm" len="sm"/>
+                    </a:lnB>
+                  </a:tcPr>
+                </a:tc>
+                <a:tc>
+                  <a:txBody>
+                    <a:bodyPr/>
+                    <a:lstStyle/>
+                    <a:p>
+                      <a:pPr marL="0" lvl="0" indent="0" algn="ctr" rtl="0">
                         <a:spcBef>
                           <a:spcPts val="0"/>
                         </a:spcBef>
@@ -18673,14 +17658,203 @@
                         <a:buNone/>
                       </a:pPr>
                       <a:r>
-                        <a:rPr lang="en"/>
-                        <a:t>4</a:t>
+                        <a:rPr lang="en-US" dirty="0"/>
+                        <a:t>v</a:t>
                       </a:r>
-                      <a:endParaRPr/>
+                      <a:endParaRPr dirty="0"/>
                     </a:p>
                   </a:txBody>
                   <a:tcPr marL="91425" marR="91425" marT="91425" marB="91425">
                     <a:lnB w="9525" cap="flat" cmpd="sng">
+                      <a:solidFill>
+                        <a:srgbClr val="9E9E9E"/>
+                      </a:solidFill>
+                      <a:prstDash val="solid"/>
+                      <a:round/>
+                      <a:headEnd type="none" w="sm" len="sm"/>
+                      <a:tailEnd type="none" w="sm" len="sm"/>
+                    </a:lnB>
+                  </a:tcPr>
+                </a:tc>
+                <a:tc>
+                  <a:txBody>
+                    <a:bodyPr/>
+                    <a:lstStyle/>
+                    <a:p>
+                      <a:pPr marL="0" lvl="0" indent="0" algn="ctr" rtl="0">
+                        <a:spcBef>
+                          <a:spcPts val="0"/>
+                        </a:spcBef>
+                        <a:spcAft>
+                          <a:spcPts val="0"/>
+                        </a:spcAft>
+                        <a:buNone/>
+                      </a:pPr>
+                      <a:r>
+                        <a:rPr lang="en-US" dirty="0"/>
+                        <a:t>base</a:t>
+                      </a:r>
+                      <a:endParaRPr dirty="0"/>
+                    </a:p>
+                  </a:txBody>
+                  <a:tcPr marL="91425" marR="91425" marT="91425" marB="91425">
+                    <a:lnR w="9525" cap="flat" cmpd="sng" algn="ctr">
+                      <a:solidFill>
+                        <a:srgbClr val="9E9E9E"/>
+                      </a:solidFill>
+                      <a:prstDash val="solid"/>
+                      <a:round/>
+                      <a:headEnd type="none" w="sm" len="sm"/>
+                      <a:tailEnd type="none" w="sm" len="sm"/>
+                    </a:lnR>
+                    <a:lnB w="9525" cap="flat" cmpd="sng">
+                      <a:solidFill>
+                        <a:srgbClr val="9E9E9E"/>
+                      </a:solidFill>
+                      <a:prstDash val="solid"/>
+                      <a:round/>
+                      <a:headEnd type="none" w="sm" len="sm"/>
+                      <a:tailEnd type="none" w="sm" len="sm"/>
+                    </a:lnB>
+                  </a:tcPr>
+                </a:tc>
+                <a:tc>
+                  <a:txBody>
+                    <a:bodyPr/>
+                    <a:lstStyle/>
+                    <a:p>
+                      <a:pPr marL="0" lvl="0" indent="0" algn="ctr" rtl="0">
+                        <a:spcBef>
+                          <a:spcPts val="0"/>
+                        </a:spcBef>
+                        <a:spcAft>
+                          <a:spcPts val="0"/>
+                        </a:spcAft>
+                        <a:buNone/>
+                      </a:pPr>
+                      <a:r>
+                        <a:rPr lang="en-US" dirty="0"/>
+                        <a:t>digit</a:t>
+                      </a:r>
+                      <a:endParaRPr dirty="0"/>
+                    </a:p>
+                  </a:txBody>
+                  <a:tcPr marL="91425" marR="91425" marT="91425" marB="91425">
+                    <a:lnL w="9525" cap="flat" cmpd="sng" algn="ctr">
+                      <a:solidFill>
+                        <a:srgbClr val="9E9E9E"/>
+                      </a:solidFill>
+                      <a:prstDash val="solid"/>
+                      <a:round/>
+                      <a:headEnd type="none" w="sm" len="sm"/>
+                      <a:tailEnd type="none" w="sm" len="sm"/>
+                    </a:lnL>
+                    <a:lnR w="9525" cap="flat" cmpd="sng" algn="ctr">
+                      <a:solidFill>
+                        <a:srgbClr val="9E9E9E"/>
+                      </a:solidFill>
+                      <a:prstDash val="solid"/>
+                      <a:round/>
+                      <a:headEnd type="none" w="sm" len="sm"/>
+                      <a:tailEnd type="none" w="sm" len="sm"/>
+                    </a:lnR>
+                    <a:lnT w="9525" cap="flat" cmpd="sng">
+                      <a:solidFill>
+                        <a:srgbClr val="9E9E9E"/>
+                      </a:solidFill>
+                      <a:prstDash val="solid"/>
+                      <a:round/>
+                      <a:headEnd type="none" w="sm" len="sm"/>
+                      <a:tailEnd type="none" w="sm" len="sm"/>
+                    </a:lnT>
+                    <a:lnB w="9525" cap="flat" cmpd="sng">
+                      <a:solidFill>
+                        <a:srgbClr val="9E9E9E"/>
+                      </a:solidFill>
+                      <a:prstDash val="solid"/>
+                      <a:round/>
+                      <a:headEnd type="none" w="sm" len="sm"/>
+                      <a:tailEnd type="none" w="sm" len="sm"/>
+                    </a:lnB>
+                  </a:tcPr>
+                </a:tc>
+                <a:tc>
+                  <a:txBody>
+                    <a:bodyPr/>
+                    <a:lstStyle/>
+                    <a:p>
+                      <a:pPr marL="0" lvl="0" indent="0" algn="ctr" rtl="0">
+                        <a:spcBef>
+                          <a:spcPts val="0"/>
+                        </a:spcBef>
+                        <a:spcAft>
+                          <a:spcPts val="0"/>
+                        </a:spcAft>
+                        <a:buNone/>
+                      </a:pPr>
+                      <a:endParaRPr dirty="0"/>
+                    </a:p>
+                  </a:txBody>
+                  <a:tcPr marL="91425" marR="91425" marT="91425" marB="91425">
+                    <a:lnL w="9525" cap="flat" cmpd="sng" algn="ctr">
+                      <a:solidFill>
+                        <a:srgbClr val="9E9E9E"/>
+                      </a:solidFill>
+                      <a:prstDash val="solid"/>
+                      <a:round/>
+                      <a:headEnd type="none" w="sm" len="sm"/>
+                      <a:tailEnd type="none" w="sm" len="sm"/>
+                    </a:lnL>
+                    <a:lnB w="9525" cap="flat" cmpd="sng">
+                      <a:solidFill>
+                        <a:srgbClr val="9E9E9E"/>
+                      </a:solidFill>
+                      <a:prstDash val="solid"/>
+                      <a:round/>
+                      <a:headEnd type="none" w="sm" len="sm"/>
+                      <a:tailEnd type="none" w="sm" len="sm"/>
+                    </a:lnB>
+                  </a:tcPr>
+                </a:tc>
+                <a:extLst>
+                  <a:ext uri="{0D108BD9-81ED-4DB2-BD59-A6C34878D82A}">
+                    <a16:rowId xmlns:a16="http://schemas.microsoft.com/office/drawing/2014/main" val="2241060690"/>
+                  </a:ext>
+                </a:extLst>
+              </a:tr>
+              <a:tr h="396200">
+                <a:tc>
+                  <a:txBody>
+                    <a:bodyPr/>
+                    <a:lstStyle/>
+                    <a:p>
+                      <a:pPr marL="0" lvl="0" indent="0" algn="r" rtl="0">
+                        <a:spcBef>
+                          <a:spcPts val="0"/>
+                        </a:spcBef>
+                        <a:spcAft>
+                          <a:spcPts val="0"/>
+                        </a:spcAft>
+                        <a:buNone/>
+                      </a:pPr>
+                      <a:r>
+                        <a:rPr lang="en" dirty="0"/>
+                        <a:t>4</a:t>
+                      </a:r>
+                      <a:endParaRPr dirty="0"/>
+                    </a:p>
+                  </a:txBody>
+                  <a:tcPr marL="91425" marR="91425" marT="91425" marB="91425">
+                    <a:lnT w="9525" cap="flat" cmpd="sng" algn="ctr">
+                      <a:solidFill>
+                        <a:srgbClr val="9E9E9E"/>
+                      </a:solidFill>
+                      <a:prstDash val="solid"/>
+                      <a:round/>
+                      <a:headEnd type="none" w="sm" len="sm"/>
+                      <a:tailEnd type="none" w="sm" len="sm"/>
+                    </a:lnT>
+                    <a:lnB w="9525" cap="flat" cmpd="sng" algn="ctr">
                       <a:solidFill>
                         <a:srgbClr val="9E9E9E"/>
                       </a:solidFill>
@@ -18713,6 +17887,15 @@
                     </a:p>
                   </a:txBody>
                   <a:tcPr marL="91425" marR="91425" marT="91425" marB="91425">
+                    <a:lnT w="9525" cap="flat" cmpd="sng" algn="ctr">
+                      <a:solidFill>
+                        <a:srgbClr val="9E9E9E"/>
+                      </a:solidFill>
+                      <a:prstDash val="solid"/>
+                      <a:round/>
+                      <a:headEnd type="none" w="sm" len="sm"/>
+                      <a:tailEnd type="none" w="sm" len="sm"/>
+                    </a:lnT>
                     <a:lnB w="9525" cap="flat" cmpd="sng">
                       <a:solidFill>
                         <a:srgbClr val="9E9E9E"/>
@@ -18739,13 +17922,22 @@
                         <a:buNone/>
                       </a:pPr>
                       <a:r>
-                        <a:rPr lang="en"/>
+                        <a:rPr lang="en" dirty="0"/>
                         <a:t>0</a:t>
                       </a:r>
-                      <a:endParaRPr/>
+                      <a:endParaRPr dirty="0"/>
                     </a:p>
                   </a:txBody>
                   <a:tcPr marL="91425" marR="91425" marT="91425" marB="91425">
+                    <a:lnT w="9525" cap="flat" cmpd="sng" algn="ctr">
+                      <a:solidFill>
+                        <a:srgbClr val="9E9E9E"/>
+                      </a:solidFill>
+                      <a:prstDash val="solid"/>
+                      <a:round/>
+                      <a:headEnd type="none" w="sm" len="sm"/>
+                      <a:tailEnd type="none" w="sm" len="sm"/>
+                    </a:lnT>
                     <a:lnB w="9525" cap="flat" cmpd="sng">
                       <a:solidFill>
                         <a:srgbClr val="9E9E9E"/>
@@ -18788,6 +17980,15 @@
                       <a:headEnd type="none" w="sm" len="sm"/>
                       <a:tailEnd type="none" w="sm" len="sm"/>
                     </a:lnR>
+                    <a:lnT w="9525" cap="flat" cmpd="sng" algn="ctr">
+                      <a:solidFill>
+                        <a:srgbClr val="9E9E9E"/>
+                      </a:solidFill>
+                      <a:prstDash val="solid"/>
+                      <a:round/>
+                      <a:headEnd type="none" w="sm" len="sm"/>
+                      <a:tailEnd type="none" w="sm" len="sm"/>
+                    </a:lnT>
                     <a:lnB w="9525" cap="flat" cmpd="sng">
                       <a:solidFill>
                         <a:srgbClr val="9E9E9E"/>
@@ -18804,7 +18005,7 @@
                     <a:bodyPr/>
                     <a:lstStyle/>
                     <a:p>
-                      <a:pPr marL="0" lvl="0" indent="0" algn="l" rtl="0">
+                      <a:pPr marL="0" lvl="0" indent="0" algn="r" rtl="0">
                         <a:spcBef>
                           <a:spcPts val="0"/>
                         </a:spcBef>
@@ -18814,10 +18015,10 @@
                         <a:buNone/>
                       </a:pPr>
                       <a:r>
-                        <a:rPr lang="en"/>
+                        <a:rPr lang="en" dirty="0"/>
                         <a:t>4</a:t>
                       </a:r>
-                      <a:endParaRPr/>
+                      <a:endParaRPr dirty="0"/>
                     </a:p>
                   </a:txBody>
                   <a:tcPr marL="91425" marR="91425" marT="91425" marB="91425">
@@ -18839,7 +18040,7 @@
                       <a:headEnd type="none" w="sm" len="sm"/>
                       <a:tailEnd type="none" w="sm" len="sm"/>
                     </a:lnR>
-                    <a:lnT w="9525" cap="flat" cmpd="sng">
+                    <a:lnT w="9525" cap="flat" cmpd="sng" algn="ctr">
                       <a:solidFill>
                         <a:srgbClr val="9E9E9E"/>
                       </a:solidFill>
@@ -18864,7 +18065,7 @@
                     <a:bodyPr/>
                     <a:lstStyle/>
                     <a:p>
-                      <a:pPr marL="0" lvl="0" indent="0" algn="l" rtl="0">
+                      <a:pPr marL="0" lvl="0" indent="0" algn="r" rtl="0">
                         <a:spcBef>
                           <a:spcPts val="0"/>
                         </a:spcBef>
@@ -18874,10 +18075,10 @@
                         <a:buNone/>
                       </a:pPr>
                       <a:r>
-                        <a:rPr lang="en"/>
+                        <a:rPr lang="en" dirty="0"/>
                         <a:t>4</a:t>
                       </a:r>
-                      <a:endParaRPr/>
+                      <a:endParaRPr dirty="0"/>
                     </a:p>
                   </a:txBody>
                   <a:tcPr marL="91425" marR="91425" marT="91425" marB="91425">
@@ -18890,6 +18091,15 @@
                       <a:headEnd type="none" w="sm" len="sm"/>
                       <a:tailEnd type="none" w="sm" len="sm"/>
                     </a:lnL>
+                    <a:lnT w="9525" cap="flat" cmpd="sng" algn="ctr">
+                      <a:solidFill>
+                        <a:srgbClr val="9E9E9E"/>
+                      </a:solidFill>
+                      <a:prstDash val="solid"/>
+                      <a:round/>
+                      <a:headEnd type="none" w="sm" len="sm"/>
+                      <a:tailEnd type="none" w="sm" len="sm"/>
+                    </a:lnT>
                     <a:lnB w="9525" cap="flat" cmpd="sng">
                       <a:solidFill>
                         <a:srgbClr val="9E9E9E"/>
@@ -18913,7 +18123,7 @@
                     <a:bodyPr/>
                     <a:lstStyle/>
                     <a:p>
-                      <a:pPr marL="0" lvl="0" indent="0" algn="l" rtl="0">
+                      <a:pPr marL="0" lvl="0" indent="0" algn="r" rtl="0">
                         <a:spcBef>
                           <a:spcPts val="0"/>
                         </a:spcBef>
@@ -18923,10 +18133,10 @@
                         <a:buNone/>
                       </a:pPr>
                       <a:r>
-                        <a:rPr lang="en"/>
-                        <a:t>v:</a:t>
+                        <a:rPr lang="en" dirty="0"/>
+                        <a:t>37</a:t>
                       </a:r>
-                      <a:endParaRPr/>
+                      <a:endParaRPr dirty="0"/>
                     </a:p>
                   </a:txBody>
                   <a:tcPr marL="91425" marR="91425" marT="91425" marB="91425">
@@ -18948,7 +18158,7 @@
                       <a:headEnd type="none" w="sm" len="sm"/>
                       <a:tailEnd type="none" w="sm" len="sm"/>
                     </a:lnR>
-                    <a:lnT w="9525" cap="flat" cmpd="sng">
+                    <a:lnT w="9525" cap="flat" cmpd="sng" algn="ctr">
                       <a:solidFill>
                         <a:srgbClr val="9E9E9E"/>
                       </a:solidFill>
@@ -18957,67 +18167,7 @@
                       <a:headEnd type="none" w="sm" len="sm"/>
                       <a:tailEnd type="none" w="sm" len="sm"/>
                     </a:lnT>
-                    <a:lnB w="9525" cap="flat" cmpd="sng">
-                      <a:solidFill>
-                        <a:srgbClr val="9E9E9E"/>
-                      </a:solidFill>
-                      <a:prstDash val="solid"/>
-                      <a:round/>
-                      <a:headEnd type="none" w="sm" len="sm"/>
-                      <a:tailEnd type="none" w="sm" len="sm"/>
-                    </a:lnB>
-                  </a:tcPr>
-                </a:tc>
-                <a:tc>
-                  <a:txBody>
-                    <a:bodyPr/>
-                    <a:lstStyle/>
-                    <a:p>
-                      <a:pPr marL="0" lvl="0" indent="0" algn="l" rtl="0">
-                        <a:spcBef>
-                          <a:spcPts val="0"/>
-                        </a:spcBef>
-                        <a:spcAft>
-                          <a:spcPts val="0"/>
-                        </a:spcAft>
-                        <a:buNone/>
-                      </a:pPr>
-                      <a:r>
-                        <a:rPr lang="en"/>
-                        <a:t>37</a:t>
-                      </a:r>
-                      <a:endParaRPr/>
-                    </a:p>
-                  </a:txBody>
-                  <a:tcPr marL="91425" marR="91425" marT="91425" marB="91425">
-                    <a:lnL w="9525" cap="flat" cmpd="sng">
-                      <a:solidFill>
-                        <a:srgbClr val="9E9E9E"/>
-                      </a:solidFill>
-                      <a:prstDash val="solid"/>
-                      <a:round/>
-                      <a:headEnd type="none" w="sm" len="sm"/>
-                      <a:tailEnd type="none" w="sm" len="sm"/>
-                    </a:lnL>
-                    <a:lnR w="9525" cap="flat" cmpd="sng">
-                      <a:solidFill>
-                        <a:srgbClr val="9E9E9E"/>
-                      </a:solidFill>
-                      <a:prstDash val="solid"/>
-                      <a:round/>
-                      <a:headEnd type="none" w="sm" len="sm"/>
-                      <a:tailEnd type="none" w="sm" len="sm"/>
-                    </a:lnR>
-                    <a:lnT w="9525" cap="flat" cmpd="sng">
-                      <a:solidFill>
-                        <a:srgbClr val="9E9E9E"/>
-                      </a:solidFill>
-                      <a:prstDash val="solid"/>
-                      <a:round/>
-                      <a:headEnd type="none" w="sm" len="sm"/>
-                      <a:tailEnd type="none" w="sm" len="sm"/>
-                    </a:lnT>
-                    <a:lnB w="9525" cap="flat" cmpd="sng">
+                    <a:lnB w="9525" cap="flat" cmpd="sng" algn="ctr">
                       <a:solidFill>
                         <a:srgbClr val="9E9E9E"/>
                       </a:solidFill>
@@ -19093,7 +18243,7 @@
                     <a:bodyPr/>
                     <a:lstStyle/>
                     <a:p>
-                      <a:pPr marL="0" lvl="0" indent="0" algn="l" rtl="0">
+                      <a:pPr marL="0" lvl="0" indent="0" algn="r" rtl="0">
                         <a:spcBef>
                           <a:spcPts val="0"/>
                         </a:spcBef>
@@ -19103,10 +18253,10 @@
                         <a:buNone/>
                       </a:pPr>
                       <a:r>
-                        <a:rPr lang="en"/>
+                        <a:rPr lang="en" dirty="0"/>
                         <a:t>4</a:t>
                       </a:r>
-                      <a:endParaRPr/>
+                      <a:endParaRPr dirty="0"/>
                     </a:p>
                   </a:txBody>
                   <a:tcPr marL="91425" marR="91425" marT="91425" marB="91425">
@@ -19222,7 +18372,7 @@
                     <a:bodyPr/>
                     <a:lstStyle/>
                     <a:p>
-                      <a:pPr marL="0" lvl="0" indent="0" algn="l" rtl="0">
+                      <a:pPr marL="0" lvl="0" indent="0" algn="r" rtl="0">
                         <a:spcBef>
                           <a:spcPts val="0"/>
                         </a:spcBef>
@@ -19282,7 +18432,7 @@
                     <a:bodyPr/>
                     <a:lstStyle/>
                     <a:p>
-                      <a:pPr marL="0" lvl="0" indent="0" algn="l" rtl="0">
+                      <a:pPr marL="0" lvl="0" indent="0" algn="r" rtl="0">
                         <a:spcBef>
                           <a:spcPts val="0"/>
                         </a:spcBef>
@@ -19292,10 +18442,10 @@
                         <a:buNone/>
                       </a:pPr>
                       <a:r>
-                        <a:rPr lang="en"/>
+                        <a:rPr lang="en" dirty="0"/>
                         <a:t>5</a:t>
                       </a:r>
-                      <a:endParaRPr/>
+                      <a:endParaRPr dirty="0"/>
                     </a:p>
                   </a:txBody>
                   <a:tcPr marL="91425" marR="91425" marT="91425" marB="91425">
@@ -19349,7 +18499,7 @@
                     <a:bodyPr/>
                     <a:lstStyle/>
                     <a:p>
-                      <a:pPr marL="0" lvl="0" indent="0" algn="l" rtl="0">
+                      <a:pPr marL="0" lvl="0" indent="0" algn="r" rtl="0">
                         <a:spcBef>
                           <a:spcPts val="0"/>
                         </a:spcBef>
@@ -19359,10 +18509,10 @@
                         <a:buNone/>
                       </a:pPr>
                       <a:r>
-                        <a:rPr lang="en"/>
-                        <a:t>v:</a:t>
+                        <a:rPr lang="en" dirty="0"/>
+                        <a:t>299</a:t>
                       </a:r>
-                      <a:endParaRPr/>
+                      <a:endParaRPr dirty="0"/>
                     </a:p>
                   </a:txBody>
                   <a:tcPr marL="91425" marR="91425" marT="91425" marB="91425">
@@ -19384,7 +18534,7 @@
                       <a:headEnd type="none" w="sm" len="sm"/>
                       <a:tailEnd type="none" w="sm" len="sm"/>
                     </a:lnR>
-                    <a:lnT w="9525" cap="flat" cmpd="sng">
+                    <a:lnT w="9525" cap="flat" cmpd="sng" algn="ctr">
                       <a:solidFill>
                         <a:srgbClr val="9E9E9E"/>
                       </a:solidFill>
@@ -19393,67 +18543,7 @@
                       <a:headEnd type="none" w="sm" len="sm"/>
                       <a:tailEnd type="none" w="sm" len="sm"/>
                     </a:lnT>
-                    <a:lnB w="9525" cap="flat" cmpd="sng">
-                      <a:solidFill>
-                        <a:srgbClr val="9E9E9E"/>
-                      </a:solidFill>
-                      <a:prstDash val="solid"/>
-                      <a:round/>
-                      <a:headEnd type="none" w="sm" len="sm"/>
-                      <a:tailEnd type="none" w="sm" len="sm"/>
-                    </a:lnB>
-                  </a:tcPr>
-                </a:tc>
-                <a:tc>
-                  <a:txBody>
-                    <a:bodyPr/>
-                    <a:lstStyle/>
-                    <a:p>
-                      <a:pPr marL="0" lvl="0" indent="0" algn="l" rtl="0">
-                        <a:spcBef>
-                          <a:spcPts val="0"/>
-                        </a:spcBef>
-                        <a:spcAft>
-                          <a:spcPts val="0"/>
-                        </a:spcAft>
-                        <a:buNone/>
-                      </a:pPr>
-                      <a:r>
-                        <a:rPr lang="en"/>
-                        <a:t>299</a:t>
-                      </a:r>
-                      <a:endParaRPr/>
-                    </a:p>
-                  </a:txBody>
-                  <a:tcPr marL="91425" marR="91425" marT="91425" marB="91425">
-                    <a:lnL w="9525" cap="flat" cmpd="sng">
-                      <a:solidFill>
-                        <a:srgbClr val="9E9E9E"/>
-                      </a:solidFill>
-                      <a:prstDash val="solid"/>
-                      <a:round/>
-                      <a:headEnd type="none" w="sm" len="sm"/>
-                      <a:tailEnd type="none" w="sm" len="sm"/>
-                    </a:lnL>
-                    <a:lnR w="9525" cap="flat" cmpd="sng">
-                      <a:solidFill>
-                        <a:srgbClr val="9E9E9E"/>
-                      </a:solidFill>
-                      <a:prstDash val="solid"/>
-                      <a:round/>
-                      <a:headEnd type="none" w="sm" len="sm"/>
-                      <a:tailEnd type="none" w="sm" len="sm"/>
-                    </a:lnR>
-                    <a:lnT w="9525" cap="flat" cmpd="sng">
-                      <a:solidFill>
-                        <a:srgbClr val="9E9E9E"/>
-                      </a:solidFill>
-                      <a:prstDash val="solid"/>
-                      <a:round/>
-                      <a:headEnd type="none" w="sm" len="sm"/>
-                      <a:tailEnd type="none" w="sm" len="sm"/>
-                    </a:lnT>
-                    <a:lnB w="9525" cap="flat" cmpd="sng">
+                    <a:lnB w="9525" cap="flat" cmpd="sng" algn="ctr">
                       <a:solidFill>
                         <a:srgbClr val="9E9E9E"/>
                       </a:solidFill>
@@ -19529,7 +18619,7 @@
                     <a:bodyPr/>
                     <a:lstStyle/>
                     <a:p>
-                      <a:pPr marL="0" lvl="0" indent="0" algn="l" rtl="0">
+                      <a:pPr marL="0" lvl="0" indent="0" algn="r" rtl="0">
                         <a:spcBef>
                           <a:spcPts val="0"/>
                         </a:spcBef>
@@ -19539,10 +18629,10 @@
                         <a:buNone/>
                       </a:pPr>
                       <a:r>
-                        <a:rPr lang="en"/>
+                        <a:rPr lang="en" dirty="0"/>
                         <a:t>37</a:t>
                       </a:r>
-                      <a:endParaRPr/>
+                      <a:endParaRPr dirty="0"/>
                     </a:p>
                   </a:txBody>
                   <a:tcPr marL="91425" marR="91425" marT="91425" marB="91425">
@@ -19658,7 +18748,7 @@
                     <a:bodyPr/>
                     <a:lstStyle/>
                     <a:p>
-                      <a:pPr marL="0" lvl="0" indent="0" algn="l" rtl="0">
+                      <a:pPr marL="0" lvl="0" indent="0" algn="r" rtl="0">
                         <a:spcBef>
                           <a:spcPts val="0"/>
                         </a:spcBef>
@@ -19718,7 +18808,7 @@
                     <a:bodyPr/>
                     <a:lstStyle/>
                     <a:p>
-                      <a:pPr marL="0" lvl="0" indent="0" algn="l" rtl="0">
+                      <a:pPr marL="0" lvl="0" indent="0" algn="r" rtl="0">
                         <a:spcBef>
                           <a:spcPts val="0"/>
                         </a:spcBef>
@@ -19728,10 +18818,10 @@
                         <a:buNone/>
                       </a:pPr>
                       <a:r>
-                        <a:rPr lang="en"/>
+                        <a:rPr lang="en" dirty="0"/>
                         <a:t>3</a:t>
                       </a:r>
-                      <a:endParaRPr/>
+                      <a:endParaRPr dirty="0"/>
                     </a:p>
                   </a:txBody>
                   <a:tcPr marL="91425" marR="91425" marT="91425" marB="91425">
@@ -19785,7 +18875,7 @@
                     <a:bodyPr/>
                     <a:lstStyle/>
                     <a:p>
-                      <a:pPr marL="0" lvl="0" indent="0" algn="l" rtl="0">
+                      <a:pPr marL="0" lvl="0" indent="0" algn="r" rtl="0">
                         <a:spcBef>
                           <a:spcPts val="0"/>
                         </a:spcBef>
@@ -19794,7 +18884,7 @@
                         </a:spcAft>
                         <a:buNone/>
                       </a:pPr>
-                      <a:endParaRPr/>
+                      <a:endParaRPr dirty="0"/>
                     </a:p>
                   </a:txBody>
                   <a:tcPr marL="91425" marR="91425" marT="91425" marB="91425">
@@ -19816,7 +18906,7 @@
                       <a:headEnd type="none" w="sm" len="sm"/>
                       <a:tailEnd type="none" w="sm" len="sm"/>
                     </a:lnR>
-                    <a:lnT w="9525" cap="flat" cmpd="sng">
+                    <a:lnT w="9525" cap="flat" cmpd="sng" algn="ctr">
                       <a:solidFill>
                         <a:srgbClr val="9E9E9E"/>
                       </a:solidFill>
@@ -19825,7 +18915,7 @@
                       <a:headEnd type="none" w="sm" len="sm"/>
                       <a:tailEnd type="none" w="sm" len="sm"/>
                     </a:lnT>
-                    <a:lnB w="9525" cap="flat" cmpd="sng">
+                    <a:lnB w="9525" cap="flat" cmpd="sng" algn="ctr">
                       <a:solidFill>
                         <a:srgbClr val="9E9E9E"/>
                       </a:solidFill>
@@ -19897,7 +18987,7 @@
                     <a:bodyPr/>
                     <a:lstStyle/>
                     <a:p>
-                      <a:pPr marL="0" lvl="0" indent="0" algn="l" rtl="0">
+                      <a:pPr marL="0" lvl="0" indent="0" algn="r" rtl="0">
                         <a:spcBef>
                           <a:spcPts val="0"/>
                         </a:spcBef>
@@ -19906,63 +18996,7 @@
                         </a:spcAft>
                         <a:buNone/>
                       </a:pPr>
-                      <a:endParaRPr/>
-                    </a:p>
-                  </a:txBody>
-                  <a:tcPr marL="91425" marR="91425" marT="91425" marB="91425">
-                    <a:lnL w="9525" cap="flat" cmpd="sng">
-                      <a:solidFill>
-                        <a:srgbClr val="9E9E9E"/>
-                      </a:solidFill>
-                      <a:prstDash val="solid"/>
-                      <a:round/>
-                      <a:headEnd type="none" w="sm" len="sm"/>
-                      <a:tailEnd type="none" w="sm" len="sm"/>
-                    </a:lnL>
-                    <a:lnR w="9525" cap="flat" cmpd="sng">
-                      <a:solidFill>
-                        <a:srgbClr val="9E9E9E"/>
-                      </a:solidFill>
-                      <a:prstDash val="solid"/>
-                      <a:round/>
-                      <a:headEnd type="none" w="sm" len="sm"/>
-                      <a:tailEnd type="none" w="sm" len="sm"/>
-                    </a:lnR>
-                    <a:lnT w="9525" cap="flat" cmpd="sng">
-                      <a:solidFill>
-                        <a:srgbClr val="9E9E9E"/>
-                      </a:solidFill>
-                      <a:prstDash val="solid"/>
-                      <a:round/>
-                      <a:headEnd type="none" w="sm" len="sm"/>
-                      <a:tailEnd type="none" w="sm" len="sm"/>
-                    </a:lnT>
-                    <a:lnB w="9525" cap="flat" cmpd="sng">
-                      <a:solidFill>
-                        <a:srgbClr val="9E9E9E"/>
-                      </a:solidFill>
-                      <a:prstDash val="solid"/>
-                      <a:round/>
-                      <a:headEnd type="none" w="sm" len="sm"/>
-                      <a:tailEnd type="none" w="sm" len="sm"/>
-                    </a:lnB>
-                  </a:tcPr>
-                </a:tc>
-                <a:tc>
-                  <a:txBody>
-                    <a:bodyPr/>
-                    <a:lstStyle/>
-                    <a:p>
-                      <a:pPr marL="0" lvl="0" indent="0" algn="l" rtl="0">
-                        <a:spcBef>
-                          <a:spcPts val="0"/>
-                        </a:spcBef>
-                        <a:spcAft>
-                          <a:spcPts val="0"/>
-                        </a:spcAft>
-                        <a:buNone/>
-                      </a:pPr>
-                      <a:endParaRPr/>
+                      <a:endParaRPr dirty="0"/>
                     </a:p>
                   </a:txBody>
                   <a:tcPr marL="91425" marR="91425" marT="91425" marB="91425">
@@ -20184,7 +19218,7 @@
                     <a:bodyPr/>
                     <a:lstStyle/>
                     <a:p>
-                      <a:pPr marL="0" lvl="0" indent="0" algn="l" rtl="0">
+                      <a:pPr marL="0" lvl="0" indent="0" algn="r" rtl="0">
                         <a:spcBef>
                           <a:spcPts val="0"/>
                         </a:spcBef>
@@ -20193,7 +19227,7 @@
                         </a:spcAft>
                         <a:buNone/>
                       </a:pPr>
-                      <a:endParaRPr/>
+                      <a:endParaRPr dirty="0"/>
                     </a:p>
                   </a:txBody>
                   <a:tcPr marL="91425" marR="91425" marT="91425" marB="91425">
@@ -20215,7 +19249,7 @@
                       <a:headEnd type="none" w="sm" len="sm"/>
                       <a:tailEnd type="none" w="sm" len="sm"/>
                     </a:lnR>
-                    <a:lnT w="9525" cap="flat" cmpd="sng">
+                    <a:lnT w="9525" cap="flat" cmpd="sng" algn="ctr">
                       <a:solidFill>
                         <a:srgbClr val="9E9E9E"/>
                       </a:solidFill>
@@ -20224,7 +19258,7 @@
                       <a:headEnd type="none" w="sm" len="sm"/>
                       <a:tailEnd type="none" w="sm" len="sm"/>
                     </a:lnT>
-                    <a:lnB w="9525" cap="flat" cmpd="sng">
+                    <a:lnB w="9525" cap="flat" cmpd="sng" algn="ctr">
                       <a:solidFill>
                         <a:srgbClr val="9E9E9E"/>
                       </a:solidFill>
@@ -20249,7 +19283,7 @@
                         </a:spcAft>
                         <a:buNone/>
                       </a:pPr>
-                      <a:endParaRPr/>
+                      <a:endParaRPr dirty="0"/>
                     </a:p>
                   </a:txBody>
                   <a:tcPr marL="91425" marR="91425" marT="91425" marB="91425">
@@ -20296,7 +19330,7 @@
                     <a:bodyPr/>
                     <a:lstStyle/>
                     <a:p>
-                      <a:pPr marL="0" lvl="0" indent="0" algn="l" rtl="0">
+                      <a:pPr marL="0" lvl="0" indent="0" algn="r" rtl="0">
                         <a:spcBef>
                           <a:spcPts val="0"/>
                         </a:spcBef>
@@ -20306,62 +19340,6 @@
                         <a:buNone/>
                       </a:pPr>
                       <a:endParaRPr dirty="0"/>
-                    </a:p>
-                  </a:txBody>
-                  <a:tcPr marL="91425" marR="91425" marT="91425" marB="91425">
-                    <a:lnL w="9525" cap="flat" cmpd="sng">
-                      <a:solidFill>
-                        <a:srgbClr val="9E9E9E"/>
-                      </a:solidFill>
-                      <a:prstDash val="solid"/>
-                      <a:round/>
-                      <a:headEnd type="none" w="sm" len="sm"/>
-                      <a:tailEnd type="none" w="sm" len="sm"/>
-                    </a:lnL>
-                    <a:lnR w="9525" cap="flat" cmpd="sng">
-                      <a:solidFill>
-                        <a:srgbClr val="9E9E9E"/>
-                      </a:solidFill>
-                      <a:prstDash val="solid"/>
-                      <a:round/>
-                      <a:headEnd type="none" w="sm" len="sm"/>
-                      <a:tailEnd type="none" w="sm" len="sm"/>
-                    </a:lnR>
-                    <a:lnT w="9525" cap="flat" cmpd="sng">
-                      <a:solidFill>
-                        <a:srgbClr val="9E9E9E"/>
-                      </a:solidFill>
-                      <a:prstDash val="solid"/>
-                      <a:round/>
-                      <a:headEnd type="none" w="sm" len="sm"/>
-                      <a:tailEnd type="none" w="sm" len="sm"/>
-                    </a:lnT>
-                    <a:lnB w="9525" cap="flat" cmpd="sng">
-                      <a:solidFill>
-                        <a:srgbClr val="9E9E9E"/>
-                      </a:solidFill>
-                      <a:prstDash val="solid"/>
-                      <a:round/>
-                      <a:headEnd type="none" w="sm" len="sm"/>
-                      <a:tailEnd type="none" w="sm" len="sm"/>
-                    </a:lnB>
-                  </a:tcPr>
-                </a:tc>
-                <a:tc>
-                  <a:txBody>
-                    <a:bodyPr/>
-                    <a:lstStyle/>
-                    <a:p>
-                      <a:pPr marL="0" lvl="0" indent="0" algn="l" rtl="0">
-                        <a:spcBef>
-                          <a:spcPts val="0"/>
-                        </a:spcBef>
-                        <a:spcAft>
-                          <a:spcPts val="0"/>
-                        </a:spcAft>
-                        <a:buNone/>
-                      </a:pPr>
-                      <a:endParaRPr/>
                     </a:p>
                   </a:txBody>
                   <a:tcPr marL="91425" marR="91425" marT="91425" marB="91425">
@@ -20583,7 +19561,7 @@
                     <a:bodyPr/>
                     <a:lstStyle/>
                     <a:p>
-                      <a:pPr marL="0" lvl="0" indent="0" algn="l" rtl="0">
+                      <a:pPr marL="0" lvl="0" indent="0" algn="r" rtl="0">
                         <a:spcBef>
                           <a:spcPts val="0"/>
                         </a:spcBef>
@@ -20592,7 +19570,7 @@
                         </a:spcAft>
                         <a:buNone/>
                       </a:pPr>
-                      <a:endParaRPr/>
+                      <a:endParaRPr dirty="0"/>
                     </a:p>
                   </a:txBody>
                   <a:tcPr marL="91425" marR="91425" marT="91425" marB="91425">
@@ -20614,7 +19592,7 @@
                       <a:headEnd type="none" w="sm" len="sm"/>
                       <a:tailEnd type="none" w="sm" len="sm"/>
                     </a:lnR>
-                    <a:lnT w="9525" cap="flat" cmpd="sng">
+                    <a:lnT w="9525" cap="flat" cmpd="sng" algn="ctr">
                       <a:solidFill>
                         <a:srgbClr val="9E9E9E"/>
                       </a:solidFill>
@@ -20623,63 +19601,7 @@
                       <a:headEnd type="none" w="sm" len="sm"/>
                       <a:tailEnd type="none" w="sm" len="sm"/>
                     </a:lnT>
-                    <a:lnB w="9525" cap="flat" cmpd="sng">
-                      <a:solidFill>
-                        <a:srgbClr val="9E9E9E"/>
-                      </a:solidFill>
-                      <a:prstDash val="solid"/>
-                      <a:round/>
-                      <a:headEnd type="none" w="sm" len="sm"/>
-                      <a:tailEnd type="none" w="sm" len="sm"/>
-                    </a:lnB>
-                  </a:tcPr>
-                </a:tc>
-                <a:tc>
-                  <a:txBody>
-                    <a:bodyPr/>
-                    <a:lstStyle/>
-                    <a:p>
-                      <a:pPr marL="0" lvl="0" indent="0" algn="l" rtl="0">
-                        <a:spcBef>
-                          <a:spcPts val="0"/>
-                        </a:spcBef>
-                        <a:spcAft>
-                          <a:spcPts val="0"/>
-                        </a:spcAft>
-                        <a:buNone/>
-                      </a:pPr>
-                      <a:endParaRPr/>
-                    </a:p>
-                  </a:txBody>
-                  <a:tcPr marL="91425" marR="91425" marT="91425" marB="91425">
-                    <a:lnL w="9525" cap="flat" cmpd="sng">
-                      <a:solidFill>
-                        <a:srgbClr val="9E9E9E"/>
-                      </a:solidFill>
-                      <a:prstDash val="solid"/>
-                      <a:round/>
-                      <a:headEnd type="none" w="sm" len="sm"/>
-                      <a:tailEnd type="none" w="sm" len="sm"/>
-                    </a:lnL>
-                    <a:lnR w="9525" cap="flat" cmpd="sng">
-                      <a:solidFill>
-                        <a:srgbClr val="9E9E9E"/>
-                      </a:solidFill>
-                      <a:prstDash val="solid"/>
-                      <a:round/>
-                      <a:headEnd type="none" w="sm" len="sm"/>
-                      <a:tailEnd type="none" w="sm" len="sm"/>
-                    </a:lnR>
-                    <a:lnT w="9525" cap="flat" cmpd="sng">
-                      <a:solidFill>
-                        <a:srgbClr val="9E9E9E"/>
-                      </a:solidFill>
-                      <a:prstDash val="solid"/>
-                      <a:round/>
-                      <a:headEnd type="none" w="sm" len="sm"/>
-                      <a:tailEnd type="none" w="sm" len="sm"/>
-                    </a:lnT>
-                    <a:lnB w="9525" cap="flat" cmpd="sng">
+                    <a:lnB w="9525" cap="flat" cmpd="sng" algn="ctr">
                       <a:solidFill>
                         <a:srgbClr val="9E9E9E"/>
                       </a:solidFill>
@@ -20982,7 +19904,7 @@
                     <a:bodyPr/>
                     <a:lstStyle/>
                     <a:p>
-                      <a:pPr marL="0" lvl="0" indent="0" algn="l" rtl="0">
+                      <a:pPr marL="0" lvl="0" indent="0" algn="r" rtl="0">
                         <a:spcBef>
                           <a:spcPts val="0"/>
                         </a:spcBef>
@@ -20991,7 +19913,7 @@
                         </a:spcAft>
                         <a:buNone/>
                       </a:pPr>
-                      <a:endParaRPr/>
+                      <a:endParaRPr dirty="0"/>
                     </a:p>
                   </a:txBody>
                   <a:tcPr marL="91425" marR="91425" marT="91425" marB="91425">
@@ -21013,7 +19935,7 @@
                       <a:headEnd type="none" w="sm" len="sm"/>
                       <a:tailEnd type="none" w="sm" len="sm"/>
                     </a:lnR>
-                    <a:lnT w="9525" cap="flat" cmpd="sng">
+                    <a:lnT w="9525" cap="flat" cmpd="sng" algn="ctr">
                       <a:solidFill>
                         <a:srgbClr val="9E9E9E"/>
                       </a:solidFill>
@@ -21022,63 +19944,7 @@
                       <a:headEnd type="none" w="sm" len="sm"/>
                       <a:tailEnd type="none" w="sm" len="sm"/>
                     </a:lnT>
-                    <a:lnB w="9525" cap="flat" cmpd="sng">
-                      <a:solidFill>
-                        <a:srgbClr val="9E9E9E"/>
-                      </a:solidFill>
-                      <a:prstDash val="solid"/>
-                      <a:round/>
-                      <a:headEnd type="none" w="sm" len="sm"/>
-                      <a:tailEnd type="none" w="sm" len="sm"/>
-                    </a:lnB>
-                  </a:tcPr>
-                </a:tc>
-                <a:tc>
-                  <a:txBody>
-                    <a:bodyPr/>
-                    <a:lstStyle/>
-                    <a:p>
-                      <a:pPr marL="0" lvl="0" indent="0" algn="l" rtl="0">
-                        <a:spcBef>
-                          <a:spcPts val="0"/>
-                        </a:spcBef>
-                        <a:spcAft>
-                          <a:spcPts val="0"/>
-                        </a:spcAft>
-                        <a:buNone/>
-                      </a:pPr>
-                      <a:endParaRPr/>
-                    </a:p>
-                  </a:txBody>
-                  <a:tcPr marL="91425" marR="91425" marT="91425" marB="91425">
-                    <a:lnL w="9525" cap="flat" cmpd="sng">
-                      <a:solidFill>
-                        <a:srgbClr val="9E9E9E"/>
-                      </a:solidFill>
-                      <a:prstDash val="solid"/>
-                      <a:round/>
-                      <a:headEnd type="none" w="sm" len="sm"/>
-                      <a:tailEnd type="none" w="sm" len="sm"/>
-                    </a:lnL>
-                    <a:lnR w="9525" cap="flat" cmpd="sng">
-                      <a:solidFill>
-                        <a:srgbClr val="9E9E9E"/>
-                      </a:solidFill>
-                      <a:prstDash val="solid"/>
-                      <a:round/>
-                      <a:headEnd type="none" w="sm" len="sm"/>
-                      <a:tailEnd type="none" w="sm" len="sm"/>
-                    </a:lnR>
-                    <a:lnT w="9525" cap="flat" cmpd="sng">
-                      <a:solidFill>
-                        <a:srgbClr val="9E9E9E"/>
-                      </a:solidFill>
-                      <a:prstDash val="solid"/>
-                      <a:round/>
-                      <a:headEnd type="none" w="sm" len="sm"/>
-                      <a:tailEnd type="none" w="sm" len="sm"/>
-                    </a:lnT>
-                    <a:lnB w="9525" cap="flat" cmpd="sng">
+                    <a:lnB w="9525" cap="flat" cmpd="sng" algn="ctr">
                       <a:solidFill>
                         <a:srgbClr val="9E9E9E"/>
                       </a:solidFill>
@@ -21381,7 +20247,7 @@
                     <a:bodyPr/>
                     <a:lstStyle/>
                     <a:p>
-                      <a:pPr marL="0" lvl="0" indent="0" algn="l" rtl="0">
+                      <a:pPr marL="0" lvl="0" indent="0" algn="r" rtl="0">
                         <a:spcBef>
                           <a:spcPts val="0"/>
                         </a:spcBef>
@@ -21390,7 +20256,7 @@
                         </a:spcAft>
                         <a:buNone/>
                       </a:pPr>
-                      <a:endParaRPr/>
+                      <a:endParaRPr dirty="0"/>
                     </a:p>
                   </a:txBody>
                   <a:tcPr marL="91425" marR="91425" marT="91425" marB="91425">
@@ -21412,63 +20278,7 @@
                       <a:headEnd type="none" w="sm" len="sm"/>
                       <a:tailEnd type="none" w="sm" len="sm"/>
                     </a:lnR>
-                    <a:lnT w="9525" cap="flat" cmpd="sng">
-                      <a:solidFill>
-                        <a:srgbClr val="9E9E9E"/>
-                      </a:solidFill>
-                      <a:prstDash val="solid"/>
-                      <a:round/>
-                      <a:headEnd type="none" w="sm" len="sm"/>
-                      <a:tailEnd type="none" w="sm" len="sm"/>
-                    </a:lnT>
-                    <a:lnB w="9525" cap="flat" cmpd="sng">
-                      <a:solidFill>
-                        <a:srgbClr val="9E9E9E"/>
-                      </a:solidFill>
-                      <a:prstDash val="solid"/>
-                      <a:round/>
-                      <a:headEnd type="none" w="sm" len="sm"/>
-                      <a:tailEnd type="none" w="sm" len="sm"/>
-                    </a:lnB>
-                  </a:tcPr>
-                </a:tc>
-                <a:tc>
-                  <a:txBody>
-                    <a:bodyPr/>
-                    <a:lstStyle/>
-                    <a:p>
-                      <a:pPr marL="0" lvl="0" indent="0" algn="l" rtl="0">
-                        <a:spcBef>
-                          <a:spcPts val="0"/>
-                        </a:spcBef>
-                        <a:spcAft>
-                          <a:spcPts val="0"/>
-                        </a:spcAft>
-                        <a:buNone/>
-                      </a:pPr>
-                      <a:endParaRPr/>
-                    </a:p>
-                  </a:txBody>
-                  <a:tcPr marL="91425" marR="91425" marT="91425" marB="91425">
-                    <a:lnL w="9525" cap="flat" cmpd="sng">
-                      <a:solidFill>
-                        <a:srgbClr val="9E9E9E"/>
-                      </a:solidFill>
-                      <a:prstDash val="solid"/>
-                      <a:round/>
-                      <a:headEnd type="none" w="sm" len="sm"/>
-                      <a:tailEnd type="none" w="sm" len="sm"/>
-                    </a:lnL>
-                    <a:lnR w="9525" cap="flat" cmpd="sng">
-                      <a:solidFill>
-                        <a:srgbClr val="9E9E9E"/>
-                      </a:solidFill>
-                      <a:prstDash val="solid"/>
-                      <a:round/>
-                      <a:headEnd type="none" w="sm" len="sm"/>
-                      <a:tailEnd type="none" w="sm" len="sm"/>
-                    </a:lnR>
-                    <a:lnT w="9525" cap="flat" cmpd="sng">
+                    <a:lnT w="9525" cap="flat" cmpd="sng" algn="ctr">
                       <a:solidFill>
                         <a:srgbClr val="9E9E9E"/>
                       </a:solidFill>
